--- a/5조_wine 112701_2.pptx
+++ b/5조_wine 112701_2.pptx
@@ -5197,18 +5197,22 @@
               <a:t>vintage feature</a:t>
             </a:r>
             <a:r>
-              <a:rPr lang="ko-KR" altLang="en-US" dirty="0">
+              <a:rPr lang="ko-KR" altLang="en-US" dirty="0" smtClean="0">
                 <a:solidFill>
                   <a:srgbClr val="0070C0"/>
                 </a:solidFill>
               </a:rPr>
-              <a:t>추출</a:t>
-            </a:r>
-            <a:endParaRPr lang="en-US" altLang="ko-KR" dirty="0">
-              <a:solidFill>
-                <a:srgbClr val="0070C0"/>
-              </a:solidFill>
-            </a:endParaRPr>
+              <a:t>추출 </a:t>
+            </a:r>
+            <a:r>
+              <a:rPr lang="en-US" altLang="ko-KR" dirty="0" smtClean="0">
+                <a:solidFill>
+                  <a:srgbClr val="0070C0"/>
+                </a:solidFill>
+              </a:rPr>
+              <a:t>(1935 ~ 2017) </a:t>
+            </a:r>
+            <a:endParaRPr lang="en-US" altLang="ko-KR" dirty="0" smtClean="0"/>
           </a:p>
           <a:p>
             <a:pPr marL="742950" lvl="1" indent="-285750">
@@ -5216,7 +5220,7 @@
               <a:buChar char="•"/>
             </a:pPr>
             <a:r>
-              <a:rPr lang="en-US" altLang="ko-KR" dirty="0"/>
+              <a:rPr lang="en-US" altLang="ko-KR" dirty="0" smtClean="0"/>
               <a:t>Vintage</a:t>
             </a:r>
             <a:r>
@@ -5338,6 +5342,158 @@
           </a:ln>
         </p:spPr>
       </p:pic>
+      <p:pic>
+        <p:nvPicPr>
+          <p:cNvPr id="4" name="그림 3"/>
+          <p:cNvPicPr>
+            <a:picLocks noChangeAspect="1"/>
+          </p:cNvPicPr>
+          <p:nvPr/>
+        </p:nvPicPr>
+        <p:blipFill>
+          <a:blip r:embed="rId4"/>
+          <a:stretch>
+            <a:fillRect/>
+          </a:stretch>
+        </p:blipFill>
+        <p:spPr>
+          <a:xfrm>
+            <a:off x="7539127" y="5053396"/>
+            <a:ext cx="3867150" cy="1000125"/>
+          </a:xfrm>
+          <a:prstGeom prst="rect">
+            <a:avLst/>
+          </a:prstGeom>
+          <a:ln>
+            <a:solidFill>
+              <a:schemeClr val="accent6">
+                <a:lumMod val="50000"/>
+              </a:schemeClr>
+            </a:solidFill>
+          </a:ln>
+        </p:spPr>
+      </p:pic>
+      <p:cxnSp>
+        <p:nvCxnSpPr>
+          <p:cNvPr id="10" name="직선 화살표 연결선 9"/>
+          <p:cNvCxnSpPr>
+            <a:endCxn id="4" idx="1"/>
+          </p:cNvCxnSpPr>
+          <p:nvPr/>
+        </p:nvCxnSpPr>
+        <p:spPr>
+          <a:xfrm>
+            <a:off x="4994031" y="5553458"/>
+            <a:ext cx="2545096" cy="1"/>
+          </a:xfrm>
+          <a:prstGeom prst="straightConnector1">
+            <a:avLst/>
+          </a:prstGeom>
+          <a:ln>
+            <a:solidFill>
+              <a:schemeClr val="accent6">
+                <a:lumMod val="50000"/>
+              </a:schemeClr>
+            </a:solidFill>
+            <a:tailEnd type="triangle"/>
+          </a:ln>
+        </p:spPr>
+        <p:style>
+          <a:lnRef idx="1">
+            <a:schemeClr val="accent1"/>
+          </a:lnRef>
+          <a:fillRef idx="0">
+            <a:schemeClr val="accent1"/>
+          </a:fillRef>
+          <a:effectRef idx="0">
+            <a:schemeClr val="accent1"/>
+          </a:effectRef>
+          <a:fontRef idx="minor">
+            <a:schemeClr val="tx1"/>
+          </a:fontRef>
+        </p:style>
+      </p:cxnSp>
+      <p:sp>
+        <p:nvSpPr>
+          <p:cNvPr id="12" name="직사각형 11"/>
+          <p:cNvSpPr/>
+          <p:nvPr/>
+        </p:nvSpPr>
+        <p:spPr>
+          <a:xfrm rot="19128910">
+            <a:off x="10559810" y="5932001"/>
+            <a:ext cx="1492843" cy="243039"/>
+          </a:xfrm>
+          <a:prstGeom prst="rect">
+            <a:avLst/>
+          </a:prstGeom>
+          <a:solidFill>
+            <a:schemeClr val="accent2">
+              <a:lumMod val="75000"/>
+            </a:schemeClr>
+          </a:solidFill>
+        </p:spPr>
+        <p:style>
+          <a:lnRef idx="2">
+            <a:schemeClr val="accent1">
+              <a:shade val="50000"/>
+            </a:schemeClr>
+          </a:lnRef>
+          <a:fillRef idx="1">
+            <a:schemeClr val="accent1"/>
+          </a:fillRef>
+          <a:effectRef idx="0">
+            <a:schemeClr val="accent1"/>
+          </a:effectRef>
+          <a:fontRef idx="minor">
+            <a:schemeClr val="lt1"/>
+          </a:fontRef>
+        </p:style>
+        <p:txBody>
+          <a:bodyPr rtlCol="0" anchor="ctr"/>
+          <a:lstStyle/>
+          <a:p>
+            <a:pPr algn="ctr"/>
+            <a:r>
+              <a:rPr lang="ko-KR" altLang="en-US" sz="1400" dirty="0" err="1" smtClean="0">
+                <a:solidFill>
+                  <a:schemeClr val="bg1"/>
+                </a:solidFill>
+              </a:rPr>
+              <a:t>결측치가</a:t>
+            </a:r>
+            <a:r>
+              <a:rPr lang="ko-KR" altLang="en-US" sz="1400" dirty="0" smtClean="0">
+                <a:solidFill>
+                  <a:schemeClr val="bg1"/>
+                </a:solidFill>
+              </a:rPr>
+              <a:t> </a:t>
+            </a:r>
+            <a:r>
+              <a:rPr lang="ko-KR" altLang="en-US" sz="1400" u="sng" dirty="0" err="1" smtClean="0">
+                <a:solidFill>
+                  <a:schemeClr val="bg1"/>
+                </a:solidFill>
+              </a:rPr>
+              <a:t>적</a:t>
+            </a:r>
+            <a:r>
+              <a:rPr lang="ko-KR" altLang="en-US" sz="1400" dirty="0" err="1" smtClean="0">
+                <a:solidFill>
+                  <a:schemeClr val="bg1"/>
+                </a:solidFill>
+              </a:rPr>
+              <a:t>은편</a:t>
+            </a:r>
+            <a:endParaRPr lang="ko-KR" altLang="en-US" sz="1400" dirty="0">
+              <a:solidFill>
+                <a:schemeClr val="bg1"/>
+              </a:solidFill>
+            </a:endParaRPr>
+          </a:p>
+        </p:txBody>
+      </p:sp>
     </p:spTree>
     <p:extLst>
       <p:ext uri="{BB962C8B-B14F-4D97-AF65-F5344CB8AC3E}">
@@ -5422,25 +5578,2436 @@
       </p:sp>
       <p:sp>
         <p:nvSpPr>
-          <p:cNvPr id="4" name="내용 개체 틀 3"/>
+          <p:cNvPr id="5" name="AutoShape 14" descr="http://ds2.snu.ac.kr:8890/files/big2.jpg"/>
           <p:cNvSpPr>
-            <a:spLocks noGrp="1"/>
+            <a:spLocks noChangeAspect="1" noChangeArrowheads="1"/>
           </p:cNvSpPr>
-          <p:nvPr>
-            <p:ph idx="10"/>
-          </p:nvPr>
+          <p:nvPr/>
+        </p:nvSpPr>
+        <p:spPr bwMode="auto">
+          <a:xfrm>
+            <a:off x="155575" y="-144463"/>
+            <a:ext cx="304800" cy="304801"/>
+          </a:xfrm>
+          <a:prstGeom prst="rect">
+            <a:avLst/>
+          </a:prstGeom>
+          <a:noFill/>
+          <a:extLst>
+            <a:ext uri="{909E8E84-426E-40DD-AFC4-6F175D3DCCD1}">
+              <a14:hiddenFill xmlns:a14="http://schemas.microsoft.com/office/drawing/2010/main">
+                <a:solidFill>
+                  <a:srgbClr val="FFFFFF"/>
+                </a:solidFill>
+              </a14:hiddenFill>
+            </a:ext>
+          </a:extLst>
+        </p:spPr>
+        <p:txBody>
+          <a:bodyPr vert="horz" wrap="square" lIns="91440" tIns="45720" rIns="91440" bIns="45720" numCol="1" anchor="t" anchorCtr="0" compatLnSpc="1">
+            <a:prstTxWarp prst="textNoShape">
+              <a:avLst/>
+            </a:prstTxWarp>
+          </a:bodyPr>
+          <a:lstStyle/>
+          <a:p>
+            <a:endParaRPr lang="ko-KR" altLang="en-US"/>
+          </a:p>
+        </p:txBody>
+      </p:sp>
+      <p:sp>
+        <p:nvSpPr>
+          <p:cNvPr id="6" name="내용 개체 틀 2">
+            <a:extLst>
+              <a:ext uri="{FF2B5EF4-FFF2-40B4-BE49-F238E27FC236}">
+                <a16:creationId xmlns:a16="http://schemas.microsoft.com/office/drawing/2014/main" id="{71731F48-A0BC-47A9-9050-0436CC96DA02}"/>
+              </a:ext>
+            </a:extLst>
+          </p:cNvPr>
+          <p:cNvSpPr txBox="1">
+            <a:spLocks/>
+          </p:cNvSpPr>
+          <p:nvPr/>
         </p:nvSpPr>
         <p:spPr>
           <a:xfrm>
-            <a:off x="541173" y="1371600"/>
-            <a:ext cx="11329259" cy="5033731"/>
-          </a:xfrm>
+            <a:off x="305511" y="1330245"/>
+            <a:ext cx="5310467" cy="341632"/>
+          </a:xfrm>
+          <a:prstGeom prst="rect">
+            <a:avLst/>
+          </a:prstGeom>
         </p:spPr>
         <p:txBody>
-          <a:bodyPr/>
+          <a:bodyPr vert="horz" wrap="square" lIns="91440" tIns="45720" rIns="91440" bIns="45720" rtlCol="0">
+            <a:spAutoFit/>
+          </a:bodyPr>
+          <a:lstStyle>
+            <a:lvl1pPr marL="228600" indent="-228600" algn="l" defTabSz="914400" rtl="0" eaLnBrk="1" latinLnBrk="1" hangingPunct="1">
+              <a:lnSpc>
+                <a:spcPct val="90000"/>
+              </a:lnSpc>
+              <a:spcBef>
+                <a:spcPts val="1000"/>
+              </a:spcBef>
+              <a:buFont typeface="Arial" panose="020B0604020202020204" pitchFamily="34" charset="0"/>
+              <a:buChar char="•"/>
+              <a:defRPr sz="2800" kern="1200">
+                <a:solidFill>
+                  <a:schemeClr val="tx1"/>
+                </a:solidFill>
+                <a:latin typeface="+mn-lt"/>
+                <a:ea typeface="+mn-ea"/>
+                <a:cs typeface="+mn-cs"/>
+              </a:defRPr>
+            </a:lvl1pPr>
+            <a:lvl2pPr marL="685800" indent="-228600" algn="l" defTabSz="914400" rtl="0" eaLnBrk="1" latinLnBrk="1" hangingPunct="1">
+              <a:lnSpc>
+                <a:spcPct val="90000"/>
+              </a:lnSpc>
+              <a:spcBef>
+                <a:spcPts val="500"/>
+              </a:spcBef>
+              <a:buFont typeface="Arial" panose="020B0604020202020204" pitchFamily="34" charset="0"/>
+              <a:buChar char="•"/>
+              <a:defRPr sz="2400" kern="1200">
+                <a:solidFill>
+                  <a:schemeClr val="tx1"/>
+                </a:solidFill>
+                <a:latin typeface="+mn-lt"/>
+                <a:ea typeface="+mn-ea"/>
+                <a:cs typeface="+mn-cs"/>
+              </a:defRPr>
+            </a:lvl2pPr>
+            <a:lvl3pPr marL="1143000" indent="-228600" algn="l" defTabSz="914400" rtl="0" eaLnBrk="1" latinLnBrk="1" hangingPunct="1">
+              <a:lnSpc>
+                <a:spcPct val="90000"/>
+              </a:lnSpc>
+              <a:spcBef>
+                <a:spcPts val="500"/>
+              </a:spcBef>
+              <a:buFont typeface="Arial" panose="020B0604020202020204" pitchFamily="34" charset="0"/>
+              <a:buChar char="•"/>
+              <a:defRPr sz="2000" kern="1200">
+                <a:solidFill>
+                  <a:schemeClr val="tx1"/>
+                </a:solidFill>
+                <a:latin typeface="+mn-lt"/>
+                <a:ea typeface="+mn-ea"/>
+                <a:cs typeface="+mn-cs"/>
+              </a:defRPr>
+            </a:lvl3pPr>
+            <a:lvl4pPr marL="1600200" indent="-228600" algn="l" defTabSz="914400" rtl="0" eaLnBrk="1" latinLnBrk="1" hangingPunct="1">
+              <a:lnSpc>
+                <a:spcPct val="90000"/>
+              </a:lnSpc>
+              <a:spcBef>
+                <a:spcPts val="500"/>
+              </a:spcBef>
+              <a:buFont typeface="Arial" panose="020B0604020202020204" pitchFamily="34" charset="0"/>
+              <a:buChar char="•"/>
+              <a:defRPr sz="1800" kern="1200">
+                <a:solidFill>
+                  <a:schemeClr val="tx1"/>
+                </a:solidFill>
+                <a:latin typeface="+mn-lt"/>
+                <a:ea typeface="+mn-ea"/>
+                <a:cs typeface="+mn-cs"/>
+              </a:defRPr>
+            </a:lvl4pPr>
+            <a:lvl5pPr marL="2057400" indent="-228600" algn="l" defTabSz="914400" rtl="0" eaLnBrk="1" latinLnBrk="1" hangingPunct="1">
+              <a:lnSpc>
+                <a:spcPct val="90000"/>
+              </a:lnSpc>
+              <a:spcBef>
+                <a:spcPts val="500"/>
+              </a:spcBef>
+              <a:buFont typeface="Arial" panose="020B0604020202020204" pitchFamily="34" charset="0"/>
+              <a:buChar char="•"/>
+              <a:defRPr sz="1800" kern="1200">
+                <a:solidFill>
+                  <a:schemeClr val="tx1"/>
+                </a:solidFill>
+                <a:latin typeface="+mn-lt"/>
+                <a:ea typeface="+mn-ea"/>
+                <a:cs typeface="+mn-cs"/>
+              </a:defRPr>
+            </a:lvl5pPr>
+            <a:lvl6pPr marL="2514600" indent="-228600" algn="l" defTabSz="914400" rtl="0" eaLnBrk="1" latinLnBrk="1" hangingPunct="1">
+              <a:lnSpc>
+                <a:spcPct val="90000"/>
+              </a:lnSpc>
+              <a:spcBef>
+                <a:spcPts val="500"/>
+              </a:spcBef>
+              <a:buFont typeface="Arial" panose="020B0604020202020204" pitchFamily="34" charset="0"/>
+              <a:buChar char="•"/>
+              <a:defRPr sz="1800" kern="1200">
+                <a:solidFill>
+                  <a:schemeClr val="tx1"/>
+                </a:solidFill>
+                <a:latin typeface="+mn-lt"/>
+                <a:ea typeface="+mn-ea"/>
+                <a:cs typeface="+mn-cs"/>
+              </a:defRPr>
+            </a:lvl6pPr>
+            <a:lvl7pPr marL="2971800" indent="-228600" algn="l" defTabSz="914400" rtl="0" eaLnBrk="1" latinLnBrk="1" hangingPunct="1">
+              <a:lnSpc>
+                <a:spcPct val="90000"/>
+              </a:lnSpc>
+              <a:spcBef>
+                <a:spcPts val="500"/>
+              </a:spcBef>
+              <a:buFont typeface="Arial" panose="020B0604020202020204" pitchFamily="34" charset="0"/>
+              <a:buChar char="•"/>
+              <a:defRPr sz="1800" kern="1200">
+                <a:solidFill>
+                  <a:schemeClr val="tx1"/>
+                </a:solidFill>
+                <a:latin typeface="+mn-lt"/>
+                <a:ea typeface="+mn-ea"/>
+                <a:cs typeface="+mn-cs"/>
+              </a:defRPr>
+            </a:lvl7pPr>
+            <a:lvl8pPr marL="3429000" indent="-228600" algn="l" defTabSz="914400" rtl="0" eaLnBrk="1" latinLnBrk="1" hangingPunct="1">
+              <a:lnSpc>
+                <a:spcPct val="90000"/>
+              </a:lnSpc>
+              <a:spcBef>
+                <a:spcPts val="500"/>
+              </a:spcBef>
+              <a:buFont typeface="Arial" panose="020B0604020202020204" pitchFamily="34" charset="0"/>
+              <a:buChar char="•"/>
+              <a:defRPr sz="1800" kern="1200">
+                <a:solidFill>
+                  <a:schemeClr val="tx1"/>
+                </a:solidFill>
+                <a:latin typeface="+mn-lt"/>
+                <a:ea typeface="+mn-ea"/>
+                <a:cs typeface="+mn-cs"/>
+              </a:defRPr>
+            </a:lvl8pPr>
+            <a:lvl9pPr marL="3886200" indent="-228600" algn="l" defTabSz="914400" rtl="0" eaLnBrk="1" latinLnBrk="1" hangingPunct="1">
+              <a:lnSpc>
+                <a:spcPct val="90000"/>
+              </a:lnSpc>
+              <a:spcBef>
+                <a:spcPts val="500"/>
+              </a:spcBef>
+              <a:buFont typeface="Arial" panose="020B0604020202020204" pitchFamily="34" charset="0"/>
+              <a:buChar char="•"/>
+              <a:defRPr sz="1800" kern="1200">
+                <a:solidFill>
+                  <a:schemeClr val="tx1"/>
+                </a:solidFill>
+                <a:latin typeface="+mn-lt"/>
+                <a:ea typeface="+mn-ea"/>
+                <a:cs typeface="+mn-cs"/>
+              </a:defRPr>
+            </a:lvl9pPr>
+          </a:lstStyle>
+          <a:p>
+            <a:pPr marL="0" indent="0">
+              <a:buFont typeface="Arial" panose="020B0604020202020204" pitchFamily="34" charset="0"/>
+              <a:buNone/>
+            </a:pPr>
+            <a:r>
+              <a:rPr lang="en-US" altLang="ko-KR" sz="1800" b="1" dirty="0"/>
+              <a:t>1</a:t>
+            </a:r>
+            <a:r>
+              <a:rPr lang="en-US" altLang="ko-KR" sz="1800" b="1" dirty="0" smtClean="0"/>
+              <a:t>) </a:t>
+            </a:r>
+            <a:r>
+              <a:rPr lang="ko-KR" altLang="en-US" sz="1800" b="1" dirty="0" smtClean="0"/>
+              <a:t>모델 선택</a:t>
+            </a:r>
+            <a:endParaRPr lang="en-US" altLang="ko-KR" sz="1800" b="1" dirty="0"/>
+          </a:p>
+        </p:txBody>
+      </p:sp>
+      <p:pic>
+        <p:nvPicPr>
+          <p:cNvPr id="7" name="그림 6"/>
+          <p:cNvPicPr>
+            <a:picLocks noChangeAspect="1"/>
+          </p:cNvPicPr>
+          <p:nvPr/>
+        </p:nvPicPr>
+        <p:blipFill rotWithShape="1">
+          <a:blip r:embed="rId2"/>
+          <a:srcRect l="7760" t="50492" r="34372" b="9559"/>
+          <a:stretch/>
+        </p:blipFill>
+        <p:spPr>
+          <a:xfrm>
+            <a:off x="578464" y="1675943"/>
+            <a:ext cx="4526936" cy="3385584"/>
+          </a:xfrm>
+          <a:prstGeom prst="rect">
+            <a:avLst/>
+          </a:prstGeom>
+        </p:spPr>
+      </p:pic>
+      <p:sp>
+        <p:nvSpPr>
+          <p:cNvPr id="8" name="내용 개체 틀 2">
+            <a:extLst>
+              <a:ext uri="{FF2B5EF4-FFF2-40B4-BE49-F238E27FC236}">
+                <a16:creationId xmlns:a16="http://schemas.microsoft.com/office/drawing/2014/main" id="{71731F48-A0BC-47A9-9050-0436CC96DA02}"/>
+              </a:ext>
+            </a:extLst>
+          </p:cNvPr>
+          <p:cNvSpPr txBox="1">
+            <a:spLocks/>
+          </p:cNvSpPr>
+          <p:nvPr/>
+        </p:nvSpPr>
+        <p:spPr>
+          <a:xfrm>
+            <a:off x="5814408" y="1330245"/>
+            <a:ext cx="5310467" cy="1851789"/>
+          </a:xfrm>
+          <a:prstGeom prst="rect">
+            <a:avLst/>
+          </a:prstGeom>
+        </p:spPr>
+        <p:txBody>
+          <a:bodyPr vert="horz" wrap="square" lIns="91440" tIns="45720" rIns="91440" bIns="45720" rtlCol="0">
+            <a:spAutoFit/>
+          </a:bodyPr>
+          <a:lstStyle>
+            <a:lvl1pPr marL="228600" indent="-228600" algn="l" defTabSz="914400" rtl="0" eaLnBrk="1" latinLnBrk="1" hangingPunct="1">
+              <a:lnSpc>
+                <a:spcPct val="90000"/>
+              </a:lnSpc>
+              <a:spcBef>
+                <a:spcPts val="1000"/>
+              </a:spcBef>
+              <a:buFont typeface="Arial" panose="020B0604020202020204" pitchFamily="34" charset="0"/>
+              <a:buChar char="•"/>
+              <a:defRPr sz="2800" kern="1200">
+                <a:solidFill>
+                  <a:schemeClr val="tx1"/>
+                </a:solidFill>
+                <a:latin typeface="+mn-lt"/>
+                <a:ea typeface="+mn-ea"/>
+                <a:cs typeface="+mn-cs"/>
+              </a:defRPr>
+            </a:lvl1pPr>
+            <a:lvl2pPr marL="685800" indent="-228600" algn="l" defTabSz="914400" rtl="0" eaLnBrk="1" latinLnBrk="1" hangingPunct="1">
+              <a:lnSpc>
+                <a:spcPct val="90000"/>
+              </a:lnSpc>
+              <a:spcBef>
+                <a:spcPts val="500"/>
+              </a:spcBef>
+              <a:buFont typeface="Arial" panose="020B0604020202020204" pitchFamily="34" charset="0"/>
+              <a:buChar char="•"/>
+              <a:defRPr sz="2400" kern="1200">
+                <a:solidFill>
+                  <a:schemeClr val="tx1"/>
+                </a:solidFill>
+                <a:latin typeface="+mn-lt"/>
+                <a:ea typeface="+mn-ea"/>
+                <a:cs typeface="+mn-cs"/>
+              </a:defRPr>
+            </a:lvl2pPr>
+            <a:lvl3pPr marL="1143000" indent="-228600" algn="l" defTabSz="914400" rtl="0" eaLnBrk="1" latinLnBrk="1" hangingPunct="1">
+              <a:lnSpc>
+                <a:spcPct val="90000"/>
+              </a:lnSpc>
+              <a:spcBef>
+                <a:spcPts val="500"/>
+              </a:spcBef>
+              <a:buFont typeface="Arial" panose="020B0604020202020204" pitchFamily="34" charset="0"/>
+              <a:buChar char="•"/>
+              <a:defRPr sz="2000" kern="1200">
+                <a:solidFill>
+                  <a:schemeClr val="tx1"/>
+                </a:solidFill>
+                <a:latin typeface="+mn-lt"/>
+                <a:ea typeface="+mn-ea"/>
+                <a:cs typeface="+mn-cs"/>
+              </a:defRPr>
+            </a:lvl3pPr>
+            <a:lvl4pPr marL="1600200" indent="-228600" algn="l" defTabSz="914400" rtl="0" eaLnBrk="1" latinLnBrk="1" hangingPunct="1">
+              <a:lnSpc>
+                <a:spcPct val="90000"/>
+              </a:lnSpc>
+              <a:spcBef>
+                <a:spcPts val="500"/>
+              </a:spcBef>
+              <a:buFont typeface="Arial" panose="020B0604020202020204" pitchFamily="34" charset="0"/>
+              <a:buChar char="•"/>
+              <a:defRPr sz="1800" kern="1200">
+                <a:solidFill>
+                  <a:schemeClr val="tx1"/>
+                </a:solidFill>
+                <a:latin typeface="+mn-lt"/>
+                <a:ea typeface="+mn-ea"/>
+                <a:cs typeface="+mn-cs"/>
+              </a:defRPr>
+            </a:lvl4pPr>
+            <a:lvl5pPr marL="2057400" indent="-228600" algn="l" defTabSz="914400" rtl="0" eaLnBrk="1" latinLnBrk="1" hangingPunct="1">
+              <a:lnSpc>
+                <a:spcPct val="90000"/>
+              </a:lnSpc>
+              <a:spcBef>
+                <a:spcPts val="500"/>
+              </a:spcBef>
+              <a:buFont typeface="Arial" panose="020B0604020202020204" pitchFamily="34" charset="0"/>
+              <a:buChar char="•"/>
+              <a:defRPr sz="1800" kern="1200">
+                <a:solidFill>
+                  <a:schemeClr val="tx1"/>
+                </a:solidFill>
+                <a:latin typeface="+mn-lt"/>
+                <a:ea typeface="+mn-ea"/>
+                <a:cs typeface="+mn-cs"/>
+              </a:defRPr>
+            </a:lvl5pPr>
+            <a:lvl6pPr marL="2514600" indent="-228600" algn="l" defTabSz="914400" rtl="0" eaLnBrk="1" latinLnBrk="1" hangingPunct="1">
+              <a:lnSpc>
+                <a:spcPct val="90000"/>
+              </a:lnSpc>
+              <a:spcBef>
+                <a:spcPts val="500"/>
+              </a:spcBef>
+              <a:buFont typeface="Arial" panose="020B0604020202020204" pitchFamily="34" charset="0"/>
+              <a:buChar char="•"/>
+              <a:defRPr sz="1800" kern="1200">
+                <a:solidFill>
+                  <a:schemeClr val="tx1"/>
+                </a:solidFill>
+                <a:latin typeface="+mn-lt"/>
+                <a:ea typeface="+mn-ea"/>
+                <a:cs typeface="+mn-cs"/>
+              </a:defRPr>
+            </a:lvl6pPr>
+            <a:lvl7pPr marL="2971800" indent="-228600" algn="l" defTabSz="914400" rtl="0" eaLnBrk="1" latinLnBrk="1" hangingPunct="1">
+              <a:lnSpc>
+                <a:spcPct val="90000"/>
+              </a:lnSpc>
+              <a:spcBef>
+                <a:spcPts val="500"/>
+              </a:spcBef>
+              <a:buFont typeface="Arial" panose="020B0604020202020204" pitchFamily="34" charset="0"/>
+              <a:buChar char="•"/>
+              <a:defRPr sz="1800" kern="1200">
+                <a:solidFill>
+                  <a:schemeClr val="tx1"/>
+                </a:solidFill>
+                <a:latin typeface="+mn-lt"/>
+                <a:ea typeface="+mn-ea"/>
+                <a:cs typeface="+mn-cs"/>
+              </a:defRPr>
+            </a:lvl7pPr>
+            <a:lvl8pPr marL="3429000" indent="-228600" algn="l" defTabSz="914400" rtl="0" eaLnBrk="1" latinLnBrk="1" hangingPunct="1">
+              <a:lnSpc>
+                <a:spcPct val="90000"/>
+              </a:lnSpc>
+              <a:spcBef>
+                <a:spcPts val="500"/>
+              </a:spcBef>
+              <a:buFont typeface="Arial" panose="020B0604020202020204" pitchFamily="34" charset="0"/>
+              <a:buChar char="•"/>
+              <a:defRPr sz="1800" kern="1200">
+                <a:solidFill>
+                  <a:schemeClr val="tx1"/>
+                </a:solidFill>
+                <a:latin typeface="+mn-lt"/>
+                <a:ea typeface="+mn-ea"/>
+                <a:cs typeface="+mn-cs"/>
+              </a:defRPr>
+            </a:lvl8pPr>
+            <a:lvl9pPr marL="3886200" indent="-228600" algn="l" defTabSz="914400" rtl="0" eaLnBrk="1" latinLnBrk="1" hangingPunct="1">
+              <a:lnSpc>
+                <a:spcPct val="90000"/>
+              </a:lnSpc>
+              <a:spcBef>
+                <a:spcPts val="500"/>
+              </a:spcBef>
+              <a:buFont typeface="Arial" panose="020B0604020202020204" pitchFamily="34" charset="0"/>
+              <a:buChar char="•"/>
+              <a:defRPr sz="1800" kern="1200">
+                <a:solidFill>
+                  <a:schemeClr val="tx1"/>
+                </a:solidFill>
+                <a:latin typeface="+mn-lt"/>
+                <a:ea typeface="+mn-ea"/>
+                <a:cs typeface="+mn-cs"/>
+              </a:defRPr>
+            </a:lvl9pPr>
+          </a:lstStyle>
+          <a:p>
+            <a:pPr marL="0" indent="0">
+              <a:buNone/>
+            </a:pPr>
+            <a:r>
+              <a:rPr lang="en-US" altLang="ko-KR" sz="1800" b="1" dirty="0"/>
+              <a:t>2</a:t>
+            </a:r>
+            <a:r>
+              <a:rPr lang="en-US" altLang="ko-KR" sz="1800" b="1" dirty="0" smtClean="0"/>
+              <a:t>) </a:t>
+            </a:r>
+            <a:r>
+              <a:rPr lang="en-US" altLang="ko-KR" sz="1800" b="1" dirty="0" err="1" smtClean="0"/>
+              <a:t>GridSearchCV</a:t>
+            </a:r>
+            <a:r>
+              <a:rPr lang="en-US" altLang="ko-KR" sz="1800" b="1" dirty="0" smtClean="0"/>
+              <a:t> : </a:t>
+            </a:r>
+            <a:r>
+              <a:rPr lang="en-US" altLang="ko-KR" sz="1800" b="1" dirty="0"/>
+              <a:t>RMSE = 2.69 -&gt; </a:t>
+            </a:r>
+            <a:r>
+              <a:rPr lang="en-US" altLang="ko-KR" sz="1800" b="1" dirty="0" smtClean="0"/>
+              <a:t>2.44</a:t>
+            </a:r>
+            <a:endParaRPr lang="en-US" altLang="ko-KR" sz="1800" b="1" dirty="0" smtClean="0"/>
+          </a:p>
+          <a:p>
+            <a:pPr marL="0" indent="0">
+              <a:buFont typeface="Arial" panose="020B0604020202020204" pitchFamily="34" charset="0"/>
+              <a:buNone/>
+            </a:pPr>
+            <a:r>
+              <a:rPr lang="en-US" altLang="ko-KR" sz="1800" dirty="0"/>
+              <a:t> </a:t>
+            </a:r>
+            <a:r>
+              <a:rPr lang="en-US" altLang="ko-KR" sz="1800" dirty="0" smtClean="0"/>
+              <a:t>   </a:t>
+            </a:r>
+            <a:r>
+              <a:rPr lang="en-US" altLang="ko-KR" sz="1800" dirty="0" err="1" smtClean="0"/>
+              <a:t>max_depth</a:t>
+            </a:r>
+            <a:r>
+              <a:rPr lang="en-US" altLang="ko-KR" sz="1800" dirty="0" smtClean="0"/>
+              <a:t> = [3, 4, 5, 6, 7, 8, </a:t>
+            </a:r>
+            <a:r>
+              <a:rPr lang="en-US" altLang="ko-KR" sz="1800" b="1" dirty="0" smtClean="0">
+                <a:solidFill>
+                  <a:srgbClr val="FF0000"/>
+                </a:solidFill>
+              </a:rPr>
+              <a:t>9</a:t>
+            </a:r>
+            <a:r>
+              <a:rPr lang="en-US" altLang="ko-KR" sz="1800" dirty="0" smtClean="0"/>
+              <a:t>]</a:t>
+            </a:r>
+          </a:p>
+          <a:p>
+            <a:pPr marL="0" indent="0">
+              <a:buFont typeface="Arial" panose="020B0604020202020204" pitchFamily="34" charset="0"/>
+              <a:buNone/>
+            </a:pPr>
+            <a:r>
+              <a:rPr lang="en-US" altLang="ko-KR" sz="1800" dirty="0" smtClean="0"/>
+              <a:t>    </a:t>
+            </a:r>
+            <a:r>
+              <a:rPr lang="en-US" altLang="ko-KR" sz="1800" dirty="0" err="1" smtClean="0"/>
+              <a:t>n_estimators</a:t>
+            </a:r>
+            <a:r>
+              <a:rPr lang="en-US" altLang="ko-KR" sz="1800" dirty="0" smtClean="0"/>
+              <a:t> =[50, 100, 150, 200, </a:t>
+            </a:r>
+            <a:r>
+              <a:rPr lang="en-US" altLang="ko-KR" sz="1800" b="1" dirty="0" smtClean="0">
+                <a:solidFill>
+                  <a:srgbClr val="FF0000"/>
+                </a:solidFill>
+              </a:rPr>
+              <a:t>250</a:t>
+            </a:r>
+            <a:r>
+              <a:rPr lang="en-US" altLang="ko-KR" sz="1800" dirty="0" smtClean="0"/>
+              <a:t>]</a:t>
+            </a:r>
+          </a:p>
+          <a:p>
+            <a:pPr marL="0" indent="0">
+              <a:buFont typeface="Arial" panose="020B0604020202020204" pitchFamily="34" charset="0"/>
+              <a:buNone/>
+            </a:pPr>
+            <a:r>
+              <a:rPr lang="en-US" altLang="ko-KR" sz="1800" dirty="0" smtClean="0"/>
+              <a:t>    </a:t>
+            </a:r>
+            <a:r>
+              <a:rPr lang="en-US" altLang="ko-KR" sz="1800" dirty="0" err="1" smtClean="0"/>
+              <a:t>learning_rate</a:t>
+            </a:r>
+            <a:r>
+              <a:rPr lang="en-US" altLang="ko-KR" sz="1800" dirty="0" smtClean="0"/>
+              <a:t> = [0.05, </a:t>
+            </a:r>
+            <a:r>
+              <a:rPr lang="en-US" altLang="ko-KR" sz="1800" b="1" dirty="0" smtClean="0">
+                <a:solidFill>
+                  <a:srgbClr val="FF0000"/>
+                </a:solidFill>
+              </a:rPr>
+              <a:t>0.1</a:t>
+            </a:r>
+            <a:r>
+              <a:rPr lang="en-US" altLang="ko-KR" sz="1800" dirty="0" smtClean="0"/>
+              <a:t>, 0.15]</a:t>
+            </a:r>
+            <a:endParaRPr lang="en-US" altLang="ko-KR" sz="1800" dirty="0"/>
+          </a:p>
+          <a:p>
+            <a:pPr marL="0" indent="0">
+              <a:buFont typeface="Arial" panose="020B0604020202020204" pitchFamily="34" charset="0"/>
+              <a:buNone/>
+            </a:pPr>
+            <a:r>
+              <a:rPr lang="en-US" altLang="ko-KR" sz="1800" b="1" dirty="0" smtClean="0"/>
+              <a:t>    </a:t>
+            </a:r>
+            <a:endParaRPr lang="en-US" altLang="ko-KR" sz="1800" b="1" dirty="0"/>
+          </a:p>
+        </p:txBody>
+      </p:sp>
+      <p:sp>
+        <p:nvSpPr>
+          <p:cNvPr id="9" name="내용 개체 틀 2">
+            <a:extLst>
+              <a:ext uri="{FF2B5EF4-FFF2-40B4-BE49-F238E27FC236}">
+                <a16:creationId xmlns:a16="http://schemas.microsoft.com/office/drawing/2014/main" id="{71731F48-A0BC-47A9-9050-0436CC96DA02}"/>
+              </a:ext>
+            </a:extLst>
+          </p:cNvPr>
+          <p:cNvSpPr txBox="1">
+            <a:spLocks/>
+          </p:cNvSpPr>
+          <p:nvPr/>
+        </p:nvSpPr>
+        <p:spPr>
+          <a:xfrm>
+            <a:off x="1021404" y="2794528"/>
+            <a:ext cx="653120" cy="313932"/>
+          </a:xfrm>
+          <a:prstGeom prst="rect">
+            <a:avLst/>
+          </a:prstGeom>
+        </p:spPr>
+        <p:txBody>
+          <a:bodyPr vert="horz" wrap="square" lIns="91440" tIns="45720" rIns="91440" bIns="45720" rtlCol="0">
+            <a:spAutoFit/>
+          </a:bodyPr>
+          <a:lstStyle>
+            <a:lvl1pPr marL="228600" indent="-228600" algn="l" defTabSz="914400" rtl="0" eaLnBrk="1" latinLnBrk="1" hangingPunct="1">
+              <a:lnSpc>
+                <a:spcPct val="90000"/>
+              </a:lnSpc>
+              <a:spcBef>
+                <a:spcPts val="1000"/>
+              </a:spcBef>
+              <a:buFont typeface="Arial" panose="020B0604020202020204" pitchFamily="34" charset="0"/>
+              <a:buChar char="•"/>
+              <a:defRPr sz="2800" kern="1200">
+                <a:solidFill>
+                  <a:schemeClr val="tx1"/>
+                </a:solidFill>
+                <a:latin typeface="+mn-lt"/>
+                <a:ea typeface="+mn-ea"/>
+                <a:cs typeface="+mn-cs"/>
+              </a:defRPr>
+            </a:lvl1pPr>
+            <a:lvl2pPr marL="685800" indent="-228600" algn="l" defTabSz="914400" rtl="0" eaLnBrk="1" latinLnBrk="1" hangingPunct="1">
+              <a:lnSpc>
+                <a:spcPct val="90000"/>
+              </a:lnSpc>
+              <a:spcBef>
+                <a:spcPts val="500"/>
+              </a:spcBef>
+              <a:buFont typeface="Arial" panose="020B0604020202020204" pitchFamily="34" charset="0"/>
+              <a:buChar char="•"/>
+              <a:defRPr sz="2400" kern="1200">
+                <a:solidFill>
+                  <a:schemeClr val="tx1"/>
+                </a:solidFill>
+                <a:latin typeface="+mn-lt"/>
+                <a:ea typeface="+mn-ea"/>
+                <a:cs typeface="+mn-cs"/>
+              </a:defRPr>
+            </a:lvl2pPr>
+            <a:lvl3pPr marL="1143000" indent="-228600" algn="l" defTabSz="914400" rtl="0" eaLnBrk="1" latinLnBrk="1" hangingPunct="1">
+              <a:lnSpc>
+                <a:spcPct val="90000"/>
+              </a:lnSpc>
+              <a:spcBef>
+                <a:spcPts val="500"/>
+              </a:spcBef>
+              <a:buFont typeface="Arial" panose="020B0604020202020204" pitchFamily="34" charset="0"/>
+              <a:buChar char="•"/>
+              <a:defRPr sz="2000" kern="1200">
+                <a:solidFill>
+                  <a:schemeClr val="tx1"/>
+                </a:solidFill>
+                <a:latin typeface="+mn-lt"/>
+                <a:ea typeface="+mn-ea"/>
+                <a:cs typeface="+mn-cs"/>
+              </a:defRPr>
+            </a:lvl3pPr>
+            <a:lvl4pPr marL="1600200" indent="-228600" algn="l" defTabSz="914400" rtl="0" eaLnBrk="1" latinLnBrk="1" hangingPunct="1">
+              <a:lnSpc>
+                <a:spcPct val="90000"/>
+              </a:lnSpc>
+              <a:spcBef>
+                <a:spcPts val="500"/>
+              </a:spcBef>
+              <a:buFont typeface="Arial" panose="020B0604020202020204" pitchFamily="34" charset="0"/>
+              <a:buChar char="•"/>
+              <a:defRPr sz="1800" kern="1200">
+                <a:solidFill>
+                  <a:schemeClr val="tx1"/>
+                </a:solidFill>
+                <a:latin typeface="+mn-lt"/>
+                <a:ea typeface="+mn-ea"/>
+                <a:cs typeface="+mn-cs"/>
+              </a:defRPr>
+            </a:lvl4pPr>
+            <a:lvl5pPr marL="2057400" indent="-228600" algn="l" defTabSz="914400" rtl="0" eaLnBrk="1" latinLnBrk="1" hangingPunct="1">
+              <a:lnSpc>
+                <a:spcPct val="90000"/>
+              </a:lnSpc>
+              <a:spcBef>
+                <a:spcPts val="500"/>
+              </a:spcBef>
+              <a:buFont typeface="Arial" panose="020B0604020202020204" pitchFamily="34" charset="0"/>
+              <a:buChar char="•"/>
+              <a:defRPr sz="1800" kern="1200">
+                <a:solidFill>
+                  <a:schemeClr val="tx1"/>
+                </a:solidFill>
+                <a:latin typeface="+mn-lt"/>
+                <a:ea typeface="+mn-ea"/>
+                <a:cs typeface="+mn-cs"/>
+              </a:defRPr>
+            </a:lvl5pPr>
+            <a:lvl6pPr marL="2514600" indent="-228600" algn="l" defTabSz="914400" rtl="0" eaLnBrk="1" latinLnBrk="1" hangingPunct="1">
+              <a:lnSpc>
+                <a:spcPct val="90000"/>
+              </a:lnSpc>
+              <a:spcBef>
+                <a:spcPts val="500"/>
+              </a:spcBef>
+              <a:buFont typeface="Arial" panose="020B0604020202020204" pitchFamily="34" charset="0"/>
+              <a:buChar char="•"/>
+              <a:defRPr sz="1800" kern="1200">
+                <a:solidFill>
+                  <a:schemeClr val="tx1"/>
+                </a:solidFill>
+                <a:latin typeface="+mn-lt"/>
+                <a:ea typeface="+mn-ea"/>
+                <a:cs typeface="+mn-cs"/>
+              </a:defRPr>
+            </a:lvl6pPr>
+            <a:lvl7pPr marL="2971800" indent="-228600" algn="l" defTabSz="914400" rtl="0" eaLnBrk="1" latinLnBrk="1" hangingPunct="1">
+              <a:lnSpc>
+                <a:spcPct val="90000"/>
+              </a:lnSpc>
+              <a:spcBef>
+                <a:spcPts val="500"/>
+              </a:spcBef>
+              <a:buFont typeface="Arial" panose="020B0604020202020204" pitchFamily="34" charset="0"/>
+              <a:buChar char="•"/>
+              <a:defRPr sz="1800" kern="1200">
+                <a:solidFill>
+                  <a:schemeClr val="tx1"/>
+                </a:solidFill>
+                <a:latin typeface="+mn-lt"/>
+                <a:ea typeface="+mn-ea"/>
+                <a:cs typeface="+mn-cs"/>
+              </a:defRPr>
+            </a:lvl7pPr>
+            <a:lvl8pPr marL="3429000" indent="-228600" algn="l" defTabSz="914400" rtl="0" eaLnBrk="1" latinLnBrk="1" hangingPunct="1">
+              <a:lnSpc>
+                <a:spcPct val="90000"/>
+              </a:lnSpc>
+              <a:spcBef>
+                <a:spcPts val="500"/>
+              </a:spcBef>
+              <a:buFont typeface="Arial" panose="020B0604020202020204" pitchFamily="34" charset="0"/>
+              <a:buChar char="•"/>
+              <a:defRPr sz="1800" kern="1200">
+                <a:solidFill>
+                  <a:schemeClr val="tx1"/>
+                </a:solidFill>
+                <a:latin typeface="+mn-lt"/>
+                <a:ea typeface="+mn-ea"/>
+                <a:cs typeface="+mn-cs"/>
+              </a:defRPr>
+            </a:lvl8pPr>
+            <a:lvl9pPr marL="3886200" indent="-228600" algn="l" defTabSz="914400" rtl="0" eaLnBrk="1" latinLnBrk="1" hangingPunct="1">
+              <a:lnSpc>
+                <a:spcPct val="90000"/>
+              </a:lnSpc>
+              <a:spcBef>
+                <a:spcPts val="500"/>
+              </a:spcBef>
+              <a:buFont typeface="Arial" panose="020B0604020202020204" pitchFamily="34" charset="0"/>
+              <a:buChar char="•"/>
+              <a:defRPr sz="1800" kern="1200">
+                <a:solidFill>
+                  <a:schemeClr val="tx1"/>
+                </a:solidFill>
+                <a:latin typeface="+mn-lt"/>
+                <a:ea typeface="+mn-ea"/>
+                <a:cs typeface="+mn-cs"/>
+              </a:defRPr>
+            </a:lvl9pPr>
+          </a:lstStyle>
+          <a:p>
+            <a:pPr marL="0" indent="0">
+              <a:buFont typeface="Arial" panose="020B0604020202020204" pitchFamily="34" charset="0"/>
+              <a:buNone/>
+            </a:pPr>
+            <a:r>
+              <a:rPr lang="en-US" altLang="ko-KR" sz="1600" b="1" dirty="0" smtClean="0">
+                <a:solidFill>
+                  <a:schemeClr val="bg1"/>
+                </a:solidFill>
+              </a:rPr>
+              <a:t>4.38</a:t>
+            </a:r>
+            <a:endParaRPr lang="en-US" altLang="ko-KR" sz="1600" b="1" dirty="0">
+              <a:solidFill>
+                <a:schemeClr val="bg1"/>
+              </a:solidFill>
+            </a:endParaRPr>
+          </a:p>
+        </p:txBody>
+      </p:sp>
+      <p:sp>
+        <p:nvSpPr>
+          <p:cNvPr id="10" name="내용 개체 틀 2">
+            <a:extLst>
+              <a:ext uri="{FF2B5EF4-FFF2-40B4-BE49-F238E27FC236}">
+                <a16:creationId xmlns:a16="http://schemas.microsoft.com/office/drawing/2014/main" id="{71731F48-A0BC-47A9-9050-0436CC96DA02}"/>
+              </a:ext>
+            </a:extLst>
+          </p:cNvPr>
+          <p:cNvSpPr txBox="1">
+            <a:spLocks/>
+          </p:cNvSpPr>
+          <p:nvPr/>
+        </p:nvSpPr>
+        <p:spPr>
+          <a:xfrm>
+            <a:off x="1653106" y="2965344"/>
+            <a:ext cx="653120" cy="313932"/>
+          </a:xfrm>
+          <a:prstGeom prst="rect">
+            <a:avLst/>
+          </a:prstGeom>
+        </p:spPr>
+        <p:txBody>
+          <a:bodyPr vert="horz" wrap="square" lIns="91440" tIns="45720" rIns="91440" bIns="45720" rtlCol="0">
+            <a:spAutoFit/>
+          </a:bodyPr>
+          <a:lstStyle>
+            <a:lvl1pPr marL="228600" indent="-228600" algn="l" defTabSz="914400" rtl="0" eaLnBrk="1" latinLnBrk="1" hangingPunct="1">
+              <a:lnSpc>
+                <a:spcPct val="90000"/>
+              </a:lnSpc>
+              <a:spcBef>
+                <a:spcPts val="1000"/>
+              </a:spcBef>
+              <a:buFont typeface="Arial" panose="020B0604020202020204" pitchFamily="34" charset="0"/>
+              <a:buChar char="•"/>
+              <a:defRPr sz="2800" kern="1200">
+                <a:solidFill>
+                  <a:schemeClr val="tx1"/>
+                </a:solidFill>
+                <a:latin typeface="+mn-lt"/>
+                <a:ea typeface="+mn-ea"/>
+                <a:cs typeface="+mn-cs"/>
+              </a:defRPr>
+            </a:lvl1pPr>
+            <a:lvl2pPr marL="685800" indent="-228600" algn="l" defTabSz="914400" rtl="0" eaLnBrk="1" latinLnBrk="1" hangingPunct="1">
+              <a:lnSpc>
+                <a:spcPct val="90000"/>
+              </a:lnSpc>
+              <a:spcBef>
+                <a:spcPts val="500"/>
+              </a:spcBef>
+              <a:buFont typeface="Arial" panose="020B0604020202020204" pitchFamily="34" charset="0"/>
+              <a:buChar char="•"/>
+              <a:defRPr sz="2400" kern="1200">
+                <a:solidFill>
+                  <a:schemeClr val="tx1"/>
+                </a:solidFill>
+                <a:latin typeface="+mn-lt"/>
+                <a:ea typeface="+mn-ea"/>
+                <a:cs typeface="+mn-cs"/>
+              </a:defRPr>
+            </a:lvl2pPr>
+            <a:lvl3pPr marL="1143000" indent="-228600" algn="l" defTabSz="914400" rtl="0" eaLnBrk="1" latinLnBrk="1" hangingPunct="1">
+              <a:lnSpc>
+                <a:spcPct val="90000"/>
+              </a:lnSpc>
+              <a:spcBef>
+                <a:spcPts val="500"/>
+              </a:spcBef>
+              <a:buFont typeface="Arial" panose="020B0604020202020204" pitchFamily="34" charset="0"/>
+              <a:buChar char="•"/>
+              <a:defRPr sz="2000" kern="1200">
+                <a:solidFill>
+                  <a:schemeClr val="tx1"/>
+                </a:solidFill>
+                <a:latin typeface="+mn-lt"/>
+                <a:ea typeface="+mn-ea"/>
+                <a:cs typeface="+mn-cs"/>
+              </a:defRPr>
+            </a:lvl3pPr>
+            <a:lvl4pPr marL="1600200" indent="-228600" algn="l" defTabSz="914400" rtl="0" eaLnBrk="1" latinLnBrk="1" hangingPunct="1">
+              <a:lnSpc>
+                <a:spcPct val="90000"/>
+              </a:lnSpc>
+              <a:spcBef>
+                <a:spcPts val="500"/>
+              </a:spcBef>
+              <a:buFont typeface="Arial" panose="020B0604020202020204" pitchFamily="34" charset="0"/>
+              <a:buChar char="•"/>
+              <a:defRPr sz="1800" kern="1200">
+                <a:solidFill>
+                  <a:schemeClr val="tx1"/>
+                </a:solidFill>
+                <a:latin typeface="+mn-lt"/>
+                <a:ea typeface="+mn-ea"/>
+                <a:cs typeface="+mn-cs"/>
+              </a:defRPr>
+            </a:lvl4pPr>
+            <a:lvl5pPr marL="2057400" indent="-228600" algn="l" defTabSz="914400" rtl="0" eaLnBrk="1" latinLnBrk="1" hangingPunct="1">
+              <a:lnSpc>
+                <a:spcPct val="90000"/>
+              </a:lnSpc>
+              <a:spcBef>
+                <a:spcPts val="500"/>
+              </a:spcBef>
+              <a:buFont typeface="Arial" panose="020B0604020202020204" pitchFamily="34" charset="0"/>
+              <a:buChar char="•"/>
+              <a:defRPr sz="1800" kern="1200">
+                <a:solidFill>
+                  <a:schemeClr val="tx1"/>
+                </a:solidFill>
+                <a:latin typeface="+mn-lt"/>
+                <a:ea typeface="+mn-ea"/>
+                <a:cs typeface="+mn-cs"/>
+              </a:defRPr>
+            </a:lvl5pPr>
+            <a:lvl6pPr marL="2514600" indent="-228600" algn="l" defTabSz="914400" rtl="0" eaLnBrk="1" latinLnBrk="1" hangingPunct="1">
+              <a:lnSpc>
+                <a:spcPct val="90000"/>
+              </a:lnSpc>
+              <a:spcBef>
+                <a:spcPts val="500"/>
+              </a:spcBef>
+              <a:buFont typeface="Arial" panose="020B0604020202020204" pitchFamily="34" charset="0"/>
+              <a:buChar char="•"/>
+              <a:defRPr sz="1800" kern="1200">
+                <a:solidFill>
+                  <a:schemeClr val="tx1"/>
+                </a:solidFill>
+                <a:latin typeface="+mn-lt"/>
+                <a:ea typeface="+mn-ea"/>
+                <a:cs typeface="+mn-cs"/>
+              </a:defRPr>
+            </a:lvl6pPr>
+            <a:lvl7pPr marL="2971800" indent="-228600" algn="l" defTabSz="914400" rtl="0" eaLnBrk="1" latinLnBrk="1" hangingPunct="1">
+              <a:lnSpc>
+                <a:spcPct val="90000"/>
+              </a:lnSpc>
+              <a:spcBef>
+                <a:spcPts val="500"/>
+              </a:spcBef>
+              <a:buFont typeface="Arial" panose="020B0604020202020204" pitchFamily="34" charset="0"/>
+              <a:buChar char="•"/>
+              <a:defRPr sz="1800" kern="1200">
+                <a:solidFill>
+                  <a:schemeClr val="tx1"/>
+                </a:solidFill>
+                <a:latin typeface="+mn-lt"/>
+                <a:ea typeface="+mn-ea"/>
+                <a:cs typeface="+mn-cs"/>
+              </a:defRPr>
+            </a:lvl7pPr>
+            <a:lvl8pPr marL="3429000" indent="-228600" algn="l" defTabSz="914400" rtl="0" eaLnBrk="1" latinLnBrk="1" hangingPunct="1">
+              <a:lnSpc>
+                <a:spcPct val="90000"/>
+              </a:lnSpc>
+              <a:spcBef>
+                <a:spcPts val="500"/>
+              </a:spcBef>
+              <a:buFont typeface="Arial" panose="020B0604020202020204" pitchFamily="34" charset="0"/>
+              <a:buChar char="•"/>
+              <a:defRPr sz="1800" kern="1200">
+                <a:solidFill>
+                  <a:schemeClr val="tx1"/>
+                </a:solidFill>
+                <a:latin typeface="+mn-lt"/>
+                <a:ea typeface="+mn-ea"/>
+                <a:cs typeface="+mn-cs"/>
+              </a:defRPr>
+            </a:lvl8pPr>
+            <a:lvl9pPr marL="3886200" indent="-228600" algn="l" defTabSz="914400" rtl="0" eaLnBrk="1" latinLnBrk="1" hangingPunct="1">
+              <a:lnSpc>
+                <a:spcPct val="90000"/>
+              </a:lnSpc>
+              <a:spcBef>
+                <a:spcPts val="500"/>
+              </a:spcBef>
+              <a:buFont typeface="Arial" panose="020B0604020202020204" pitchFamily="34" charset="0"/>
+              <a:buChar char="•"/>
+              <a:defRPr sz="1800" kern="1200">
+                <a:solidFill>
+                  <a:schemeClr val="tx1"/>
+                </a:solidFill>
+                <a:latin typeface="+mn-lt"/>
+                <a:ea typeface="+mn-ea"/>
+                <a:cs typeface="+mn-cs"/>
+              </a:defRPr>
+            </a:lvl9pPr>
+          </a:lstStyle>
+          <a:p>
+            <a:pPr marL="0" indent="0">
+              <a:buFont typeface="Arial" panose="020B0604020202020204" pitchFamily="34" charset="0"/>
+              <a:buNone/>
+            </a:pPr>
+            <a:r>
+              <a:rPr lang="en-US" altLang="ko-KR" sz="1600" b="1" dirty="0" smtClean="0">
+                <a:solidFill>
+                  <a:schemeClr val="bg1"/>
+                </a:solidFill>
+              </a:rPr>
+              <a:t>3.69</a:t>
+            </a:r>
+            <a:endParaRPr lang="en-US" altLang="ko-KR" sz="1600" b="1" dirty="0">
+              <a:solidFill>
+                <a:schemeClr val="bg1"/>
+              </a:solidFill>
+            </a:endParaRPr>
+          </a:p>
+        </p:txBody>
+      </p:sp>
+      <p:sp>
+        <p:nvSpPr>
+          <p:cNvPr id="11" name="내용 개체 틀 2">
+            <a:extLst>
+              <a:ext uri="{FF2B5EF4-FFF2-40B4-BE49-F238E27FC236}">
+                <a16:creationId xmlns:a16="http://schemas.microsoft.com/office/drawing/2014/main" id="{71731F48-A0BC-47A9-9050-0436CC96DA02}"/>
+              </a:ext>
+            </a:extLst>
+          </p:cNvPr>
+          <p:cNvSpPr txBox="1">
+            <a:spLocks/>
+          </p:cNvSpPr>
+          <p:nvPr/>
+        </p:nvSpPr>
+        <p:spPr>
+          <a:xfrm>
+            <a:off x="2293356" y="3088878"/>
+            <a:ext cx="653120" cy="313932"/>
+          </a:xfrm>
+          <a:prstGeom prst="rect">
+            <a:avLst/>
+          </a:prstGeom>
+        </p:spPr>
+        <p:txBody>
+          <a:bodyPr vert="horz" wrap="square" lIns="91440" tIns="45720" rIns="91440" bIns="45720" rtlCol="0">
+            <a:spAutoFit/>
+          </a:bodyPr>
+          <a:lstStyle>
+            <a:lvl1pPr marL="228600" indent="-228600" algn="l" defTabSz="914400" rtl="0" eaLnBrk="1" latinLnBrk="1" hangingPunct="1">
+              <a:lnSpc>
+                <a:spcPct val="90000"/>
+              </a:lnSpc>
+              <a:spcBef>
+                <a:spcPts val="1000"/>
+              </a:spcBef>
+              <a:buFont typeface="Arial" panose="020B0604020202020204" pitchFamily="34" charset="0"/>
+              <a:buChar char="•"/>
+              <a:defRPr sz="2800" kern="1200">
+                <a:solidFill>
+                  <a:schemeClr val="tx1"/>
+                </a:solidFill>
+                <a:latin typeface="+mn-lt"/>
+                <a:ea typeface="+mn-ea"/>
+                <a:cs typeface="+mn-cs"/>
+              </a:defRPr>
+            </a:lvl1pPr>
+            <a:lvl2pPr marL="685800" indent="-228600" algn="l" defTabSz="914400" rtl="0" eaLnBrk="1" latinLnBrk="1" hangingPunct="1">
+              <a:lnSpc>
+                <a:spcPct val="90000"/>
+              </a:lnSpc>
+              <a:spcBef>
+                <a:spcPts val="500"/>
+              </a:spcBef>
+              <a:buFont typeface="Arial" panose="020B0604020202020204" pitchFamily="34" charset="0"/>
+              <a:buChar char="•"/>
+              <a:defRPr sz="2400" kern="1200">
+                <a:solidFill>
+                  <a:schemeClr val="tx1"/>
+                </a:solidFill>
+                <a:latin typeface="+mn-lt"/>
+                <a:ea typeface="+mn-ea"/>
+                <a:cs typeface="+mn-cs"/>
+              </a:defRPr>
+            </a:lvl2pPr>
+            <a:lvl3pPr marL="1143000" indent="-228600" algn="l" defTabSz="914400" rtl="0" eaLnBrk="1" latinLnBrk="1" hangingPunct="1">
+              <a:lnSpc>
+                <a:spcPct val="90000"/>
+              </a:lnSpc>
+              <a:spcBef>
+                <a:spcPts val="500"/>
+              </a:spcBef>
+              <a:buFont typeface="Arial" panose="020B0604020202020204" pitchFamily="34" charset="0"/>
+              <a:buChar char="•"/>
+              <a:defRPr sz="2000" kern="1200">
+                <a:solidFill>
+                  <a:schemeClr val="tx1"/>
+                </a:solidFill>
+                <a:latin typeface="+mn-lt"/>
+                <a:ea typeface="+mn-ea"/>
+                <a:cs typeface="+mn-cs"/>
+              </a:defRPr>
+            </a:lvl3pPr>
+            <a:lvl4pPr marL="1600200" indent="-228600" algn="l" defTabSz="914400" rtl="0" eaLnBrk="1" latinLnBrk="1" hangingPunct="1">
+              <a:lnSpc>
+                <a:spcPct val="90000"/>
+              </a:lnSpc>
+              <a:spcBef>
+                <a:spcPts val="500"/>
+              </a:spcBef>
+              <a:buFont typeface="Arial" panose="020B0604020202020204" pitchFamily="34" charset="0"/>
+              <a:buChar char="•"/>
+              <a:defRPr sz="1800" kern="1200">
+                <a:solidFill>
+                  <a:schemeClr val="tx1"/>
+                </a:solidFill>
+                <a:latin typeface="+mn-lt"/>
+                <a:ea typeface="+mn-ea"/>
+                <a:cs typeface="+mn-cs"/>
+              </a:defRPr>
+            </a:lvl4pPr>
+            <a:lvl5pPr marL="2057400" indent="-228600" algn="l" defTabSz="914400" rtl="0" eaLnBrk="1" latinLnBrk="1" hangingPunct="1">
+              <a:lnSpc>
+                <a:spcPct val="90000"/>
+              </a:lnSpc>
+              <a:spcBef>
+                <a:spcPts val="500"/>
+              </a:spcBef>
+              <a:buFont typeface="Arial" panose="020B0604020202020204" pitchFamily="34" charset="0"/>
+              <a:buChar char="•"/>
+              <a:defRPr sz="1800" kern="1200">
+                <a:solidFill>
+                  <a:schemeClr val="tx1"/>
+                </a:solidFill>
+                <a:latin typeface="+mn-lt"/>
+                <a:ea typeface="+mn-ea"/>
+                <a:cs typeface="+mn-cs"/>
+              </a:defRPr>
+            </a:lvl5pPr>
+            <a:lvl6pPr marL="2514600" indent="-228600" algn="l" defTabSz="914400" rtl="0" eaLnBrk="1" latinLnBrk="1" hangingPunct="1">
+              <a:lnSpc>
+                <a:spcPct val="90000"/>
+              </a:lnSpc>
+              <a:spcBef>
+                <a:spcPts val="500"/>
+              </a:spcBef>
+              <a:buFont typeface="Arial" panose="020B0604020202020204" pitchFamily="34" charset="0"/>
+              <a:buChar char="•"/>
+              <a:defRPr sz="1800" kern="1200">
+                <a:solidFill>
+                  <a:schemeClr val="tx1"/>
+                </a:solidFill>
+                <a:latin typeface="+mn-lt"/>
+                <a:ea typeface="+mn-ea"/>
+                <a:cs typeface="+mn-cs"/>
+              </a:defRPr>
+            </a:lvl6pPr>
+            <a:lvl7pPr marL="2971800" indent="-228600" algn="l" defTabSz="914400" rtl="0" eaLnBrk="1" latinLnBrk="1" hangingPunct="1">
+              <a:lnSpc>
+                <a:spcPct val="90000"/>
+              </a:lnSpc>
+              <a:spcBef>
+                <a:spcPts val="500"/>
+              </a:spcBef>
+              <a:buFont typeface="Arial" panose="020B0604020202020204" pitchFamily="34" charset="0"/>
+              <a:buChar char="•"/>
+              <a:defRPr sz="1800" kern="1200">
+                <a:solidFill>
+                  <a:schemeClr val="tx1"/>
+                </a:solidFill>
+                <a:latin typeface="+mn-lt"/>
+                <a:ea typeface="+mn-ea"/>
+                <a:cs typeface="+mn-cs"/>
+              </a:defRPr>
+            </a:lvl7pPr>
+            <a:lvl8pPr marL="3429000" indent="-228600" algn="l" defTabSz="914400" rtl="0" eaLnBrk="1" latinLnBrk="1" hangingPunct="1">
+              <a:lnSpc>
+                <a:spcPct val="90000"/>
+              </a:lnSpc>
+              <a:spcBef>
+                <a:spcPts val="500"/>
+              </a:spcBef>
+              <a:buFont typeface="Arial" panose="020B0604020202020204" pitchFamily="34" charset="0"/>
+              <a:buChar char="•"/>
+              <a:defRPr sz="1800" kern="1200">
+                <a:solidFill>
+                  <a:schemeClr val="tx1"/>
+                </a:solidFill>
+                <a:latin typeface="+mn-lt"/>
+                <a:ea typeface="+mn-ea"/>
+                <a:cs typeface="+mn-cs"/>
+              </a:defRPr>
+            </a:lvl8pPr>
+            <a:lvl9pPr marL="3886200" indent="-228600" algn="l" defTabSz="914400" rtl="0" eaLnBrk="1" latinLnBrk="1" hangingPunct="1">
+              <a:lnSpc>
+                <a:spcPct val="90000"/>
+              </a:lnSpc>
+              <a:spcBef>
+                <a:spcPts val="500"/>
+              </a:spcBef>
+              <a:buFont typeface="Arial" panose="020B0604020202020204" pitchFamily="34" charset="0"/>
+              <a:buChar char="•"/>
+              <a:defRPr sz="1800" kern="1200">
+                <a:solidFill>
+                  <a:schemeClr val="tx1"/>
+                </a:solidFill>
+                <a:latin typeface="+mn-lt"/>
+                <a:ea typeface="+mn-ea"/>
+                <a:cs typeface="+mn-cs"/>
+              </a:defRPr>
+            </a:lvl9pPr>
+          </a:lstStyle>
+          <a:p>
+            <a:pPr marL="0" indent="0">
+              <a:buFont typeface="Arial" panose="020B0604020202020204" pitchFamily="34" charset="0"/>
+              <a:buNone/>
+            </a:pPr>
+            <a:r>
+              <a:rPr lang="en-US" altLang="ko-KR" sz="1600" b="1" dirty="0" smtClean="0">
+                <a:solidFill>
+                  <a:schemeClr val="bg1"/>
+                </a:solidFill>
+              </a:rPr>
+              <a:t>3.59</a:t>
+            </a:r>
+            <a:endParaRPr lang="en-US" altLang="ko-KR" sz="1600" b="1" dirty="0">
+              <a:solidFill>
+                <a:schemeClr val="bg1"/>
+              </a:solidFill>
+            </a:endParaRPr>
+          </a:p>
+        </p:txBody>
+      </p:sp>
+      <p:sp>
+        <p:nvSpPr>
+          <p:cNvPr id="12" name="내용 개체 틀 2">
+            <a:extLst>
+              <a:ext uri="{FF2B5EF4-FFF2-40B4-BE49-F238E27FC236}">
+                <a16:creationId xmlns:a16="http://schemas.microsoft.com/office/drawing/2014/main" id="{71731F48-A0BC-47A9-9050-0436CC96DA02}"/>
+              </a:ext>
+            </a:extLst>
+          </p:cNvPr>
+          <p:cNvSpPr txBox="1">
+            <a:spLocks/>
+          </p:cNvSpPr>
+          <p:nvPr/>
+        </p:nvSpPr>
+        <p:spPr>
+          <a:xfrm>
+            <a:off x="2908182" y="3182555"/>
+            <a:ext cx="653120" cy="313932"/>
+          </a:xfrm>
+          <a:prstGeom prst="rect">
+            <a:avLst/>
+          </a:prstGeom>
+        </p:spPr>
+        <p:txBody>
+          <a:bodyPr vert="horz" wrap="square" lIns="91440" tIns="45720" rIns="91440" bIns="45720" rtlCol="0">
+            <a:spAutoFit/>
+          </a:bodyPr>
+          <a:lstStyle>
+            <a:lvl1pPr marL="228600" indent="-228600" algn="l" defTabSz="914400" rtl="0" eaLnBrk="1" latinLnBrk="1" hangingPunct="1">
+              <a:lnSpc>
+                <a:spcPct val="90000"/>
+              </a:lnSpc>
+              <a:spcBef>
+                <a:spcPts val="1000"/>
+              </a:spcBef>
+              <a:buFont typeface="Arial" panose="020B0604020202020204" pitchFamily="34" charset="0"/>
+              <a:buChar char="•"/>
+              <a:defRPr sz="2800" kern="1200">
+                <a:solidFill>
+                  <a:schemeClr val="tx1"/>
+                </a:solidFill>
+                <a:latin typeface="+mn-lt"/>
+                <a:ea typeface="+mn-ea"/>
+                <a:cs typeface="+mn-cs"/>
+              </a:defRPr>
+            </a:lvl1pPr>
+            <a:lvl2pPr marL="685800" indent="-228600" algn="l" defTabSz="914400" rtl="0" eaLnBrk="1" latinLnBrk="1" hangingPunct="1">
+              <a:lnSpc>
+                <a:spcPct val="90000"/>
+              </a:lnSpc>
+              <a:spcBef>
+                <a:spcPts val="500"/>
+              </a:spcBef>
+              <a:buFont typeface="Arial" panose="020B0604020202020204" pitchFamily="34" charset="0"/>
+              <a:buChar char="•"/>
+              <a:defRPr sz="2400" kern="1200">
+                <a:solidFill>
+                  <a:schemeClr val="tx1"/>
+                </a:solidFill>
+                <a:latin typeface="+mn-lt"/>
+                <a:ea typeface="+mn-ea"/>
+                <a:cs typeface="+mn-cs"/>
+              </a:defRPr>
+            </a:lvl2pPr>
+            <a:lvl3pPr marL="1143000" indent="-228600" algn="l" defTabSz="914400" rtl="0" eaLnBrk="1" latinLnBrk="1" hangingPunct="1">
+              <a:lnSpc>
+                <a:spcPct val="90000"/>
+              </a:lnSpc>
+              <a:spcBef>
+                <a:spcPts val="500"/>
+              </a:spcBef>
+              <a:buFont typeface="Arial" panose="020B0604020202020204" pitchFamily="34" charset="0"/>
+              <a:buChar char="•"/>
+              <a:defRPr sz="2000" kern="1200">
+                <a:solidFill>
+                  <a:schemeClr val="tx1"/>
+                </a:solidFill>
+                <a:latin typeface="+mn-lt"/>
+                <a:ea typeface="+mn-ea"/>
+                <a:cs typeface="+mn-cs"/>
+              </a:defRPr>
+            </a:lvl3pPr>
+            <a:lvl4pPr marL="1600200" indent="-228600" algn="l" defTabSz="914400" rtl="0" eaLnBrk="1" latinLnBrk="1" hangingPunct="1">
+              <a:lnSpc>
+                <a:spcPct val="90000"/>
+              </a:lnSpc>
+              <a:spcBef>
+                <a:spcPts val="500"/>
+              </a:spcBef>
+              <a:buFont typeface="Arial" panose="020B0604020202020204" pitchFamily="34" charset="0"/>
+              <a:buChar char="•"/>
+              <a:defRPr sz="1800" kern="1200">
+                <a:solidFill>
+                  <a:schemeClr val="tx1"/>
+                </a:solidFill>
+                <a:latin typeface="+mn-lt"/>
+                <a:ea typeface="+mn-ea"/>
+                <a:cs typeface="+mn-cs"/>
+              </a:defRPr>
+            </a:lvl4pPr>
+            <a:lvl5pPr marL="2057400" indent="-228600" algn="l" defTabSz="914400" rtl="0" eaLnBrk="1" latinLnBrk="1" hangingPunct="1">
+              <a:lnSpc>
+                <a:spcPct val="90000"/>
+              </a:lnSpc>
+              <a:spcBef>
+                <a:spcPts val="500"/>
+              </a:spcBef>
+              <a:buFont typeface="Arial" panose="020B0604020202020204" pitchFamily="34" charset="0"/>
+              <a:buChar char="•"/>
+              <a:defRPr sz="1800" kern="1200">
+                <a:solidFill>
+                  <a:schemeClr val="tx1"/>
+                </a:solidFill>
+                <a:latin typeface="+mn-lt"/>
+                <a:ea typeface="+mn-ea"/>
+                <a:cs typeface="+mn-cs"/>
+              </a:defRPr>
+            </a:lvl5pPr>
+            <a:lvl6pPr marL="2514600" indent="-228600" algn="l" defTabSz="914400" rtl="0" eaLnBrk="1" latinLnBrk="1" hangingPunct="1">
+              <a:lnSpc>
+                <a:spcPct val="90000"/>
+              </a:lnSpc>
+              <a:spcBef>
+                <a:spcPts val="500"/>
+              </a:spcBef>
+              <a:buFont typeface="Arial" panose="020B0604020202020204" pitchFamily="34" charset="0"/>
+              <a:buChar char="•"/>
+              <a:defRPr sz="1800" kern="1200">
+                <a:solidFill>
+                  <a:schemeClr val="tx1"/>
+                </a:solidFill>
+                <a:latin typeface="+mn-lt"/>
+                <a:ea typeface="+mn-ea"/>
+                <a:cs typeface="+mn-cs"/>
+              </a:defRPr>
+            </a:lvl6pPr>
+            <a:lvl7pPr marL="2971800" indent="-228600" algn="l" defTabSz="914400" rtl="0" eaLnBrk="1" latinLnBrk="1" hangingPunct="1">
+              <a:lnSpc>
+                <a:spcPct val="90000"/>
+              </a:lnSpc>
+              <a:spcBef>
+                <a:spcPts val="500"/>
+              </a:spcBef>
+              <a:buFont typeface="Arial" panose="020B0604020202020204" pitchFamily="34" charset="0"/>
+              <a:buChar char="•"/>
+              <a:defRPr sz="1800" kern="1200">
+                <a:solidFill>
+                  <a:schemeClr val="tx1"/>
+                </a:solidFill>
+                <a:latin typeface="+mn-lt"/>
+                <a:ea typeface="+mn-ea"/>
+                <a:cs typeface="+mn-cs"/>
+              </a:defRPr>
+            </a:lvl7pPr>
+            <a:lvl8pPr marL="3429000" indent="-228600" algn="l" defTabSz="914400" rtl="0" eaLnBrk="1" latinLnBrk="1" hangingPunct="1">
+              <a:lnSpc>
+                <a:spcPct val="90000"/>
+              </a:lnSpc>
+              <a:spcBef>
+                <a:spcPts val="500"/>
+              </a:spcBef>
+              <a:buFont typeface="Arial" panose="020B0604020202020204" pitchFamily="34" charset="0"/>
+              <a:buChar char="•"/>
+              <a:defRPr sz="1800" kern="1200">
+                <a:solidFill>
+                  <a:schemeClr val="tx1"/>
+                </a:solidFill>
+                <a:latin typeface="+mn-lt"/>
+                <a:ea typeface="+mn-ea"/>
+                <a:cs typeface="+mn-cs"/>
+              </a:defRPr>
+            </a:lvl8pPr>
+            <a:lvl9pPr marL="3886200" indent="-228600" algn="l" defTabSz="914400" rtl="0" eaLnBrk="1" latinLnBrk="1" hangingPunct="1">
+              <a:lnSpc>
+                <a:spcPct val="90000"/>
+              </a:lnSpc>
+              <a:spcBef>
+                <a:spcPts val="500"/>
+              </a:spcBef>
+              <a:buFont typeface="Arial" panose="020B0604020202020204" pitchFamily="34" charset="0"/>
+              <a:buChar char="•"/>
+              <a:defRPr sz="1800" kern="1200">
+                <a:solidFill>
+                  <a:schemeClr val="tx1"/>
+                </a:solidFill>
+                <a:latin typeface="+mn-lt"/>
+                <a:ea typeface="+mn-ea"/>
+                <a:cs typeface="+mn-cs"/>
+              </a:defRPr>
+            </a:lvl9pPr>
+          </a:lstStyle>
+          <a:p>
+            <a:pPr marL="0" indent="0">
+              <a:buFont typeface="Arial" panose="020B0604020202020204" pitchFamily="34" charset="0"/>
+              <a:buNone/>
+            </a:pPr>
+            <a:r>
+              <a:rPr lang="en-US" altLang="ko-KR" sz="1600" b="1" dirty="0" smtClean="0">
+                <a:solidFill>
+                  <a:schemeClr val="bg1"/>
+                </a:solidFill>
+              </a:rPr>
+              <a:t>2.84</a:t>
+            </a:r>
+            <a:endParaRPr lang="en-US" altLang="ko-KR" sz="1600" b="1" dirty="0">
+              <a:solidFill>
+                <a:schemeClr val="bg1"/>
+              </a:solidFill>
+            </a:endParaRPr>
+          </a:p>
+        </p:txBody>
+      </p:sp>
+      <p:sp>
+        <p:nvSpPr>
+          <p:cNvPr id="13" name="내용 개체 틀 2">
+            <a:extLst>
+              <a:ext uri="{FF2B5EF4-FFF2-40B4-BE49-F238E27FC236}">
+                <a16:creationId xmlns:a16="http://schemas.microsoft.com/office/drawing/2014/main" id="{71731F48-A0BC-47A9-9050-0436CC96DA02}"/>
+              </a:ext>
+            </a:extLst>
+          </p:cNvPr>
+          <p:cNvSpPr txBox="1">
+            <a:spLocks/>
+          </p:cNvSpPr>
+          <p:nvPr/>
+        </p:nvSpPr>
+        <p:spPr>
+          <a:xfrm>
+            <a:off x="3549385" y="3276232"/>
+            <a:ext cx="653120" cy="313932"/>
+          </a:xfrm>
+          <a:prstGeom prst="rect">
+            <a:avLst/>
+          </a:prstGeom>
+        </p:spPr>
+        <p:txBody>
+          <a:bodyPr vert="horz" wrap="square" lIns="91440" tIns="45720" rIns="91440" bIns="45720" rtlCol="0">
+            <a:spAutoFit/>
+          </a:bodyPr>
+          <a:lstStyle>
+            <a:lvl1pPr marL="228600" indent="-228600" algn="l" defTabSz="914400" rtl="0" eaLnBrk="1" latinLnBrk="1" hangingPunct="1">
+              <a:lnSpc>
+                <a:spcPct val="90000"/>
+              </a:lnSpc>
+              <a:spcBef>
+                <a:spcPts val="1000"/>
+              </a:spcBef>
+              <a:buFont typeface="Arial" panose="020B0604020202020204" pitchFamily="34" charset="0"/>
+              <a:buChar char="•"/>
+              <a:defRPr sz="2800" kern="1200">
+                <a:solidFill>
+                  <a:schemeClr val="tx1"/>
+                </a:solidFill>
+                <a:latin typeface="+mn-lt"/>
+                <a:ea typeface="+mn-ea"/>
+                <a:cs typeface="+mn-cs"/>
+              </a:defRPr>
+            </a:lvl1pPr>
+            <a:lvl2pPr marL="685800" indent="-228600" algn="l" defTabSz="914400" rtl="0" eaLnBrk="1" latinLnBrk="1" hangingPunct="1">
+              <a:lnSpc>
+                <a:spcPct val="90000"/>
+              </a:lnSpc>
+              <a:spcBef>
+                <a:spcPts val="500"/>
+              </a:spcBef>
+              <a:buFont typeface="Arial" panose="020B0604020202020204" pitchFamily="34" charset="0"/>
+              <a:buChar char="•"/>
+              <a:defRPr sz="2400" kern="1200">
+                <a:solidFill>
+                  <a:schemeClr val="tx1"/>
+                </a:solidFill>
+                <a:latin typeface="+mn-lt"/>
+                <a:ea typeface="+mn-ea"/>
+                <a:cs typeface="+mn-cs"/>
+              </a:defRPr>
+            </a:lvl2pPr>
+            <a:lvl3pPr marL="1143000" indent="-228600" algn="l" defTabSz="914400" rtl="0" eaLnBrk="1" latinLnBrk="1" hangingPunct="1">
+              <a:lnSpc>
+                <a:spcPct val="90000"/>
+              </a:lnSpc>
+              <a:spcBef>
+                <a:spcPts val="500"/>
+              </a:spcBef>
+              <a:buFont typeface="Arial" panose="020B0604020202020204" pitchFamily="34" charset="0"/>
+              <a:buChar char="•"/>
+              <a:defRPr sz="2000" kern="1200">
+                <a:solidFill>
+                  <a:schemeClr val="tx1"/>
+                </a:solidFill>
+                <a:latin typeface="+mn-lt"/>
+                <a:ea typeface="+mn-ea"/>
+                <a:cs typeface="+mn-cs"/>
+              </a:defRPr>
+            </a:lvl3pPr>
+            <a:lvl4pPr marL="1600200" indent="-228600" algn="l" defTabSz="914400" rtl="0" eaLnBrk="1" latinLnBrk="1" hangingPunct="1">
+              <a:lnSpc>
+                <a:spcPct val="90000"/>
+              </a:lnSpc>
+              <a:spcBef>
+                <a:spcPts val="500"/>
+              </a:spcBef>
+              <a:buFont typeface="Arial" panose="020B0604020202020204" pitchFamily="34" charset="0"/>
+              <a:buChar char="•"/>
+              <a:defRPr sz="1800" kern="1200">
+                <a:solidFill>
+                  <a:schemeClr val="tx1"/>
+                </a:solidFill>
+                <a:latin typeface="+mn-lt"/>
+                <a:ea typeface="+mn-ea"/>
+                <a:cs typeface="+mn-cs"/>
+              </a:defRPr>
+            </a:lvl4pPr>
+            <a:lvl5pPr marL="2057400" indent="-228600" algn="l" defTabSz="914400" rtl="0" eaLnBrk="1" latinLnBrk="1" hangingPunct="1">
+              <a:lnSpc>
+                <a:spcPct val="90000"/>
+              </a:lnSpc>
+              <a:spcBef>
+                <a:spcPts val="500"/>
+              </a:spcBef>
+              <a:buFont typeface="Arial" panose="020B0604020202020204" pitchFamily="34" charset="0"/>
+              <a:buChar char="•"/>
+              <a:defRPr sz="1800" kern="1200">
+                <a:solidFill>
+                  <a:schemeClr val="tx1"/>
+                </a:solidFill>
+                <a:latin typeface="+mn-lt"/>
+                <a:ea typeface="+mn-ea"/>
+                <a:cs typeface="+mn-cs"/>
+              </a:defRPr>
+            </a:lvl5pPr>
+            <a:lvl6pPr marL="2514600" indent="-228600" algn="l" defTabSz="914400" rtl="0" eaLnBrk="1" latinLnBrk="1" hangingPunct="1">
+              <a:lnSpc>
+                <a:spcPct val="90000"/>
+              </a:lnSpc>
+              <a:spcBef>
+                <a:spcPts val="500"/>
+              </a:spcBef>
+              <a:buFont typeface="Arial" panose="020B0604020202020204" pitchFamily="34" charset="0"/>
+              <a:buChar char="•"/>
+              <a:defRPr sz="1800" kern="1200">
+                <a:solidFill>
+                  <a:schemeClr val="tx1"/>
+                </a:solidFill>
+                <a:latin typeface="+mn-lt"/>
+                <a:ea typeface="+mn-ea"/>
+                <a:cs typeface="+mn-cs"/>
+              </a:defRPr>
+            </a:lvl6pPr>
+            <a:lvl7pPr marL="2971800" indent="-228600" algn="l" defTabSz="914400" rtl="0" eaLnBrk="1" latinLnBrk="1" hangingPunct="1">
+              <a:lnSpc>
+                <a:spcPct val="90000"/>
+              </a:lnSpc>
+              <a:spcBef>
+                <a:spcPts val="500"/>
+              </a:spcBef>
+              <a:buFont typeface="Arial" panose="020B0604020202020204" pitchFamily="34" charset="0"/>
+              <a:buChar char="•"/>
+              <a:defRPr sz="1800" kern="1200">
+                <a:solidFill>
+                  <a:schemeClr val="tx1"/>
+                </a:solidFill>
+                <a:latin typeface="+mn-lt"/>
+                <a:ea typeface="+mn-ea"/>
+                <a:cs typeface="+mn-cs"/>
+              </a:defRPr>
+            </a:lvl7pPr>
+            <a:lvl8pPr marL="3429000" indent="-228600" algn="l" defTabSz="914400" rtl="0" eaLnBrk="1" latinLnBrk="1" hangingPunct="1">
+              <a:lnSpc>
+                <a:spcPct val="90000"/>
+              </a:lnSpc>
+              <a:spcBef>
+                <a:spcPts val="500"/>
+              </a:spcBef>
+              <a:buFont typeface="Arial" panose="020B0604020202020204" pitchFamily="34" charset="0"/>
+              <a:buChar char="•"/>
+              <a:defRPr sz="1800" kern="1200">
+                <a:solidFill>
+                  <a:schemeClr val="tx1"/>
+                </a:solidFill>
+                <a:latin typeface="+mn-lt"/>
+                <a:ea typeface="+mn-ea"/>
+                <a:cs typeface="+mn-cs"/>
+              </a:defRPr>
+            </a:lvl8pPr>
+            <a:lvl9pPr marL="3886200" indent="-228600" algn="l" defTabSz="914400" rtl="0" eaLnBrk="1" latinLnBrk="1" hangingPunct="1">
+              <a:lnSpc>
+                <a:spcPct val="90000"/>
+              </a:lnSpc>
+              <a:spcBef>
+                <a:spcPts val="500"/>
+              </a:spcBef>
+              <a:buFont typeface="Arial" panose="020B0604020202020204" pitchFamily="34" charset="0"/>
+              <a:buChar char="•"/>
+              <a:defRPr sz="1800" kern="1200">
+                <a:solidFill>
+                  <a:schemeClr val="tx1"/>
+                </a:solidFill>
+                <a:latin typeface="+mn-lt"/>
+                <a:ea typeface="+mn-ea"/>
+                <a:cs typeface="+mn-cs"/>
+              </a:defRPr>
+            </a:lvl9pPr>
+          </a:lstStyle>
+          <a:p>
+            <a:pPr marL="0" indent="0">
+              <a:buFont typeface="Arial" panose="020B0604020202020204" pitchFamily="34" charset="0"/>
+              <a:buNone/>
+            </a:pPr>
+            <a:r>
+              <a:rPr lang="en-US" altLang="ko-KR" sz="1600" b="1" dirty="0" smtClean="0">
+                <a:solidFill>
+                  <a:schemeClr val="bg1"/>
+                </a:solidFill>
+              </a:rPr>
+              <a:t>2.77</a:t>
+            </a:r>
+            <a:endParaRPr lang="en-US" altLang="ko-KR" sz="1600" b="1" dirty="0">
+              <a:solidFill>
+                <a:schemeClr val="bg1"/>
+              </a:solidFill>
+            </a:endParaRPr>
+          </a:p>
+        </p:txBody>
+      </p:sp>
+      <p:sp>
+        <p:nvSpPr>
+          <p:cNvPr id="14" name="내용 개체 틀 2">
+            <a:extLst>
+              <a:ext uri="{FF2B5EF4-FFF2-40B4-BE49-F238E27FC236}">
+                <a16:creationId xmlns:a16="http://schemas.microsoft.com/office/drawing/2014/main" id="{71731F48-A0BC-47A9-9050-0436CC96DA02}"/>
+              </a:ext>
+            </a:extLst>
+          </p:cNvPr>
+          <p:cNvSpPr txBox="1">
+            <a:spLocks/>
+          </p:cNvSpPr>
+          <p:nvPr/>
+        </p:nvSpPr>
+        <p:spPr>
+          <a:xfrm>
+            <a:off x="4192158" y="3436728"/>
+            <a:ext cx="653120" cy="341632"/>
+          </a:xfrm>
+          <a:prstGeom prst="rect">
+            <a:avLst/>
+          </a:prstGeom>
+        </p:spPr>
+        <p:txBody>
+          <a:bodyPr vert="horz" wrap="square" lIns="91440" tIns="45720" rIns="91440" bIns="45720" rtlCol="0">
+            <a:spAutoFit/>
+          </a:bodyPr>
+          <a:lstStyle>
+            <a:lvl1pPr marL="228600" indent="-228600" algn="l" defTabSz="914400" rtl="0" eaLnBrk="1" latinLnBrk="1" hangingPunct="1">
+              <a:lnSpc>
+                <a:spcPct val="90000"/>
+              </a:lnSpc>
+              <a:spcBef>
+                <a:spcPts val="1000"/>
+              </a:spcBef>
+              <a:buFont typeface="Arial" panose="020B0604020202020204" pitchFamily="34" charset="0"/>
+              <a:buChar char="•"/>
+              <a:defRPr sz="2800" kern="1200">
+                <a:solidFill>
+                  <a:schemeClr val="tx1"/>
+                </a:solidFill>
+                <a:latin typeface="+mn-lt"/>
+                <a:ea typeface="+mn-ea"/>
+                <a:cs typeface="+mn-cs"/>
+              </a:defRPr>
+            </a:lvl1pPr>
+            <a:lvl2pPr marL="685800" indent="-228600" algn="l" defTabSz="914400" rtl="0" eaLnBrk="1" latinLnBrk="1" hangingPunct="1">
+              <a:lnSpc>
+                <a:spcPct val="90000"/>
+              </a:lnSpc>
+              <a:spcBef>
+                <a:spcPts val="500"/>
+              </a:spcBef>
+              <a:buFont typeface="Arial" panose="020B0604020202020204" pitchFamily="34" charset="0"/>
+              <a:buChar char="•"/>
+              <a:defRPr sz="2400" kern="1200">
+                <a:solidFill>
+                  <a:schemeClr val="tx1"/>
+                </a:solidFill>
+                <a:latin typeface="+mn-lt"/>
+                <a:ea typeface="+mn-ea"/>
+                <a:cs typeface="+mn-cs"/>
+              </a:defRPr>
+            </a:lvl2pPr>
+            <a:lvl3pPr marL="1143000" indent="-228600" algn="l" defTabSz="914400" rtl="0" eaLnBrk="1" latinLnBrk="1" hangingPunct="1">
+              <a:lnSpc>
+                <a:spcPct val="90000"/>
+              </a:lnSpc>
+              <a:spcBef>
+                <a:spcPts val="500"/>
+              </a:spcBef>
+              <a:buFont typeface="Arial" panose="020B0604020202020204" pitchFamily="34" charset="0"/>
+              <a:buChar char="•"/>
+              <a:defRPr sz="2000" kern="1200">
+                <a:solidFill>
+                  <a:schemeClr val="tx1"/>
+                </a:solidFill>
+                <a:latin typeface="+mn-lt"/>
+                <a:ea typeface="+mn-ea"/>
+                <a:cs typeface="+mn-cs"/>
+              </a:defRPr>
+            </a:lvl3pPr>
+            <a:lvl4pPr marL="1600200" indent="-228600" algn="l" defTabSz="914400" rtl="0" eaLnBrk="1" latinLnBrk="1" hangingPunct="1">
+              <a:lnSpc>
+                <a:spcPct val="90000"/>
+              </a:lnSpc>
+              <a:spcBef>
+                <a:spcPts val="500"/>
+              </a:spcBef>
+              <a:buFont typeface="Arial" panose="020B0604020202020204" pitchFamily="34" charset="0"/>
+              <a:buChar char="•"/>
+              <a:defRPr sz="1800" kern="1200">
+                <a:solidFill>
+                  <a:schemeClr val="tx1"/>
+                </a:solidFill>
+                <a:latin typeface="+mn-lt"/>
+                <a:ea typeface="+mn-ea"/>
+                <a:cs typeface="+mn-cs"/>
+              </a:defRPr>
+            </a:lvl4pPr>
+            <a:lvl5pPr marL="2057400" indent="-228600" algn="l" defTabSz="914400" rtl="0" eaLnBrk="1" latinLnBrk="1" hangingPunct="1">
+              <a:lnSpc>
+                <a:spcPct val="90000"/>
+              </a:lnSpc>
+              <a:spcBef>
+                <a:spcPts val="500"/>
+              </a:spcBef>
+              <a:buFont typeface="Arial" panose="020B0604020202020204" pitchFamily="34" charset="0"/>
+              <a:buChar char="•"/>
+              <a:defRPr sz="1800" kern="1200">
+                <a:solidFill>
+                  <a:schemeClr val="tx1"/>
+                </a:solidFill>
+                <a:latin typeface="+mn-lt"/>
+                <a:ea typeface="+mn-ea"/>
+                <a:cs typeface="+mn-cs"/>
+              </a:defRPr>
+            </a:lvl5pPr>
+            <a:lvl6pPr marL="2514600" indent="-228600" algn="l" defTabSz="914400" rtl="0" eaLnBrk="1" latinLnBrk="1" hangingPunct="1">
+              <a:lnSpc>
+                <a:spcPct val="90000"/>
+              </a:lnSpc>
+              <a:spcBef>
+                <a:spcPts val="500"/>
+              </a:spcBef>
+              <a:buFont typeface="Arial" panose="020B0604020202020204" pitchFamily="34" charset="0"/>
+              <a:buChar char="•"/>
+              <a:defRPr sz="1800" kern="1200">
+                <a:solidFill>
+                  <a:schemeClr val="tx1"/>
+                </a:solidFill>
+                <a:latin typeface="+mn-lt"/>
+                <a:ea typeface="+mn-ea"/>
+                <a:cs typeface="+mn-cs"/>
+              </a:defRPr>
+            </a:lvl6pPr>
+            <a:lvl7pPr marL="2971800" indent="-228600" algn="l" defTabSz="914400" rtl="0" eaLnBrk="1" latinLnBrk="1" hangingPunct="1">
+              <a:lnSpc>
+                <a:spcPct val="90000"/>
+              </a:lnSpc>
+              <a:spcBef>
+                <a:spcPts val="500"/>
+              </a:spcBef>
+              <a:buFont typeface="Arial" panose="020B0604020202020204" pitchFamily="34" charset="0"/>
+              <a:buChar char="•"/>
+              <a:defRPr sz="1800" kern="1200">
+                <a:solidFill>
+                  <a:schemeClr val="tx1"/>
+                </a:solidFill>
+                <a:latin typeface="+mn-lt"/>
+                <a:ea typeface="+mn-ea"/>
+                <a:cs typeface="+mn-cs"/>
+              </a:defRPr>
+            </a:lvl7pPr>
+            <a:lvl8pPr marL="3429000" indent="-228600" algn="l" defTabSz="914400" rtl="0" eaLnBrk="1" latinLnBrk="1" hangingPunct="1">
+              <a:lnSpc>
+                <a:spcPct val="90000"/>
+              </a:lnSpc>
+              <a:spcBef>
+                <a:spcPts val="500"/>
+              </a:spcBef>
+              <a:buFont typeface="Arial" panose="020B0604020202020204" pitchFamily="34" charset="0"/>
+              <a:buChar char="•"/>
+              <a:defRPr sz="1800" kern="1200">
+                <a:solidFill>
+                  <a:schemeClr val="tx1"/>
+                </a:solidFill>
+                <a:latin typeface="+mn-lt"/>
+                <a:ea typeface="+mn-ea"/>
+                <a:cs typeface="+mn-cs"/>
+              </a:defRPr>
+            </a:lvl8pPr>
+            <a:lvl9pPr marL="3886200" indent="-228600" algn="l" defTabSz="914400" rtl="0" eaLnBrk="1" latinLnBrk="1" hangingPunct="1">
+              <a:lnSpc>
+                <a:spcPct val="90000"/>
+              </a:lnSpc>
+              <a:spcBef>
+                <a:spcPts val="500"/>
+              </a:spcBef>
+              <a:buFont typeface="Arial" panose="020B0604020202020204" pitchFamily="34" charset="0"/>
+              <a:buChar char="•"/>
+              <a:defRPr sz="1800" kern="1200">
+                <a:solidFill>
+                  <a:schemeClr val="tx1"/>
+                </a:solidFill>
+                <a:latin typeface="+mn-lt"/>
+                <a:ea typeface="+mn-ea"/>
+                <a:cs typeface="+mn-cs"/>
+              </a:defRPr>
+            </a:lvl9pPr>
+          </a:lstStyle>
+          <a:p>
+            <a:pPr marL="0" indent="0">
+              <a:buFont typeface="Arial" panose="020B0604020202020204" pitchFamily="34" charset="0"/>
+              <a:buNone/>
+            </a:pPr>
+            <a:r>
+              <a:rPr lang="en-US" altLang="ko-KR" sz="1800" b="1" dirty="0" smtClean="0">
+                <a:solidFill>
+                  <a:schemeClr val="bg1"/>
+                </a:solidFill>
+              </a:rPr>
+              <a:t>2.69</a:t>
+            </a:r>
+            <a:endParaRPr lang="en-US" altLang="ko-KR" sz="1800" b="1" dirty="0">
+              <a:solidFill>
+                <a:schemeClr val="bg1"/>
+              </a:solidFill>
+            </a:endParaRPr>
+          </a:p>
+        </p:txBody>
+      </p:sp>
+      <p:pic>
+        <p:nvPicPr>
+          <p:cNvPr id="15" name="그림 14"/>
+          <p:cNvPicPr>
+            <a:picLocks noChangeAspect="1"/>
+          </p:cNvPicPr>
+          <p:nvPr/>
+        </p:nvPicPr>
+        <p:blipFill>
+          <a:blip r:embed="rId3"/>
+          <a:stretch>
+            <a:fillRect/>
+          </a:stretch>
+        </p:blipFill>
+        <p:spPr>
+          <a:xfrm>
+            <a:off x="5099801" y="3204970"/>
+            <a:ext cx="6821145" cy="3653030"/>
+          </a:xfrm>
+          <a:prstGeom prst="rect">
+            <a:avLst/>
+          </a:prstGeom>
+        </p:spPr>
+      </p:pic>
+      <p:sp>
+        <p:nvSpPr>
+          <p:cNvPr id="16" name="모서리가 둥근 직사각형 15"/>
+          <p:cNvSpPr/>
+          <p:nvPr/>
+        </p:nvSpPr>
+        <p:spPr>
+          <a:xfrm>
+            <a:off x="5276194" y="3182035"/>
+            <a:ext cx="6320720" cy="651412"/>
+          </a:xfrm>
+          <a:prstGeom prst="roundRect">
+            <a:avLst/>
+          </a:prstGeom>
+          <a:noFill/>
+          <a:ln w="25400">
+            <a:prstDash val="sysDash"/>
+          </a:ln>
+        </p:spPr>
+        <p:style>
+          <a:lnRef idx="2">
+            <a:schemeClr val="accent1"/>
+          </a:lnRef>
+          <a:fillRef idx="1">
+            <a:schemeClr val="lt1"/>
+          </a:fillRef>
+          <a:effectRef idx="0">
+            <a:schemeClr val="accent1"/>
+          </a:effectRef>
+          <a:fontRef idx="minor">
+            <a:schemeClr val="dk1"/>
+          </a:fontRef>
+        </p:style>
+        <p:txBody>
+          <a:bodyPr rtlCol="0" anchor="ctr"/>
           <a:lstStyle/>
           <a:p>
+            <a:pPr algn="ctr"/>
             <a:endParaRPr lang="ko-KR" altLang="en-US"/>
+          </a:p>
+        </p:txBody>
+      </p:sp>
+      <p:sp>
+        <p:nvSpPr>
+          <p:cNvPr id="17" name="내용 개체 틀 2">
+            <a:extLst>
+              <a:ext uri="{FF2B5EF4-FFF2-40B4-BE49-F238E27FC236}">
+                <a16:creationId xmlns:a16="http://schemas.microsoft.com/office/drawing/2014/main" id="{29CB77ED-8814-4C5D-A519-7F4682951AE4}"/>
+              </a:ext>
+            </a:extLst>
+          </p:cNvPr>
+          <p:cNvSpPr txBox="1">
+            <a:spLocks/>
+          </p:cNvSpPr>
+          <p:nvPr/>
+        </p:nvSpPr>
+        <p:spPr>
+          <a:xfrm>
+            <a:off x="8726763" y="2871945"/>
+            <a:ext cx="3040945" cy="341632"/>
+          </a:xfrm>
+          <a:prstGeom prst="rect">
+            <a:avLst/>
+          </a:prstGeom>
+        </p:spPr>
+        <p:txBody>
+          <a:bodyPr vert="horz" wrap="square" lIns="91440" tIns="45720" rIns="91440" bIns="45720" rtlCol="0">
+            <a:spAutoFit/>
+          </a:bodyPr>
+          <a:lstStyle>
+            <a:lvl1pPr marL="228600" indent="-228600" algn="l" defTabSz="914400" rtl="0" eaLnBrk="1" latinLnBrk="1" hangingPunct="1">
+              <a:lnSpc>
+                <a:spcPct val="90000"/>
+              </a:lnSpc>
+              <a:spcBef>
+                <a:spcPts val="1000"/>
+              </a:spcBef>
+              <a:buFont typeface="Arial" panose="020B0604020202020204" pitchFamily="34" charset="0"/>
+              <a:buChar char="•"/>
+              <a:defRPr sz="2800" kern="1200">
+                <a:solidFill>
+                  <a:schemeClr val="tx1"/>
+                </a:solidFill>
+                <a:latin typeface="+mn-lt"/>
+                <a:ea typeface="+mn-ea"/>
+                <a:cs typeface="+mn-cs"/>
+              </a:defRPr>
+            </a:lvl1pPr>
+            <a:lvl2pPr marL="685800" indent="-228600" algn="l" defTabSz="914400" rtl="0" eaLnBrk="1" latinLnBrk="1" hangingPunct="1">
+              <a:lnSpc>
+                <a:spcPct val="90000"/>
+              </a:lnSpc>
+              <a:spcBef>
+                <a:spcPts val="500"/>
+              </a:spcBef>
+              <a:buFont typeface="Arial" panose="020B0604020202020204" pitchFamily="34" charset="0"/>
+              <a:buChar char="•"/>
+              <a:defRPr sz="2400" kern="1200">
+                <a:solidFill>
+                  <a:schemeClr val="tx1"/>
+                </a:solidFill>
+                <a:latin typeface="+mn-lt"/>
+                <a:ea typeface="+mn-ea"/>
+                <a:cs typeface="+mn-cs"/>
+              </a:defRPr>
+            </a:lvl2pPr>
+            <a:lvl3pPr marL="1143000" indent="-228600" algn="l" defTabSz="914400" rtl="0" eaLnBrk="1" latinLnBrk="1" hangingPunct="1">
+              <a:lnSpc>
+                <a:spcPct val="90000"/>
+              </a:lnSpc>
+              <a:spcBef>
+                <a:spcPts val="500"/>
+              </a:spcBef>
+              <a:buFont typeface="Arial" panose="020B0604020202020204" pitchFamily="34" charset="0"/>
+              <a:buChar char="•"/>
+              <a:defRPr sz="2000" kern="1200">
+                <a:solidFill>
+                  <a:schemeClr val="tx1"/>
+                </a:solidFill>
+                <a:latin typeface="+mn-lt"/>
+                <a:ea typeface="+mn-ea"/>
+                <a:cs typeface="+mn-cs"/>
+              </a:defRPr>
+            </a:lvl3pPr>
+            <a:lvl4pPr marL="1600200" indent="-228600" algn="l" defTabSz="914400" rtl="0" eaLnBrk="1" latinLnBrk="1" hangingPunct="1">
+              <a:lnSpc>
+                <a:spcPct val="90000"/>
+              </a:lnSpc>
+              <a:spcBef>
+                <a:spcPts val="500"/>
+              </a:spcBef>
+              <a:buFont typeface="Arial" panose="020B0604020202020204" pitchFamily="34" charset="0"/>
+              <a:buChar char="•"/>
+              <a:defRPr sz="1800" kern="1200">
+                <a:solidFill>
+                  <a:schemeClr val="tx1"/>
+                </a:solidFill>
+                <a:latin typeface="+mn-lt"/>
+                <a:ea typeface="+mn-ea"/>
+                <a:cs typeface="+mn-cs"/>
+              </a:defRPr>
+            </a:lvl4pPr>
+            <a:lvl5pPr marL="2057400" indent="-228600" algn="l" defTabSz="914400" rtl="0" eaLnBrk="1" latinLnBrk="1" hangingPunct="1">
+              <a:lnSpc>
+                <a:spcPct val="90000"/>
+              </a:lnSpc>
+              <a:spcBef>
+                <a:spcPts val="500"/>
+              </a:spcBef>
+              <a:buFont typeface="Arial" panose="020B0604020202020204" pitchFamily="34" charset="0"/>
+              <a:buChar char="•"/>
+              <a:defRPr sz="1800" kern="1200">
+                <a:solidFill>
+                  <a:schemeClr val="tx1"/>
+                </a:solidFill>
+                <a:latin typeface="+mn-lt"/>
+                <a:ea typeface="+mn-ea"/>
+                <a:cs typeface="+mn-cs"/>
+              </a:defRPr>
+            </a:lvl5pPr>
+            <a:lvl6pPr marL="2514600" indent="-228600" algn="l" defTabSz="914400" rtl="0" eaLnBrk="1" latinLnBrk="1" hangingPunct="1">
+              <a:lnSpc>
+                <a:spcPct val="90000"/>
+              </a:lnSpc>
+              <a:spcBef>
+                <a:spcPts val="500"/>
+              </a:spcBef>
+              <a:buFont typeface="Arial" panose="020B0604020202020204" pitchFamily="34" charset="0"/>
+              <a:buChar char="•"/>
+              <a:defRPr sz="1800" kern="1200">
+                <a:solidFill>
+                  <a:schemeClr val="tx1"/>
+                </a:solidFill>
+                <a:latin typeface="+mn-lt"/>
+                <a:ea typeface="+mn-ea"/>
+                <a:cs typeface="+mn-cs"/>
+              </a:defRPr>
+            </a:lvl6pPr>
+            <a:lvl7pPr marL="2971800" indent="-228600" algn="l" defTabSz="914400" rtl="0" eaLnBrk="1" latinLnBrk="1" hangingPunct="1">
+              <a:lnSpc>
+                <a:spcPct val="90000"/>
+              </a:lnSpc>
+              <a:spcBef>
+                <a:spcPts val="500"/>
+              </a:spcBef>
+              <a:buFont typeface="Arial" panose="020B0604020202020204" pitchFamily="34" charset="0"/>
+              <a:buChar char="•"/>
+              <a:defRPr sz="1800" kern="1200">
+                <a:solidFill>
+                  <a:schemeClr val="tx1"/>
+                </a:solidFill>
+                <a:latin typeface="+mn-lt"/>
+                <a:ea typeface="+mn-ea"/>
+                <a:cs typeface="+mn-cs"/>
+              </a:defRPr>
+            </a:lvl7pPr>
+            <a:lvl8pPr marL="3429000" indent="-228600" algn="l" defTabSz="914400" rtl="0" eaLnBrk="1" latinLnBrk="1" hangingPunct="1">
+              <a:lnSpc>
+                <a:spcPct val="90000"/>
+              </a:lnSpc>
+              <a:spcBef>
+                <a:spcPts val="500"/>
+              </a:spcBef>
+              <a:buFont typeface="Arial" panose="020B0604020202020204" pitchFamily="34" charset="0"/>
+              <a:buChar char="•"/>
+              <a:defRPr sz="1800" kern="1200">
+                <a:solidFill>
+                  <a:schemeClr val="tx1"/>
+                </a:solidFill>
+                <a:latin typeface="+mn-lt"/>
+                <a:ea typeface="+mn-ea"/>
+                <a:cs typeface="+mn-cs"/>
+              </a:defRPr>
+            </a:lvl8pPr>
+            <a:lvl9pPr marL="3886200" indent="-228600" algn="l" defTabSz="914400" rtl="0" eaLnBrk="1" latinLnBrk="1" hangingPunct="1">
+              <a:lnSpc>
+                <a:spcPct val="90000"/>
+              </a:lnSpc>
+              <a:spcBef>
+                <a:spcPts val="500"/>
+              </a:spcBef>
+              <a:buFont typeface="Arial" panose="020B0604020202020204" pitchFamily="34" charset="0"/>
+              <a:buChar char="•"/>
+              <a:defRPr sz="1800" kern="1200">
+                <a:solidFill>
+                  <a:schemeClr val="tx1"/>
+                </a:solidFill>
+                <a:latin typeface="+mn-lt"/>
+                <a:ea typeface="+mn-ea"/>
+                <a:cs typeface="+mn-cs"/>
+              </a:defRPr>
+            </a:lvl9pPr>
+          </a:lstStyle>
+          <a:p>
+            <a:pPr marL="0" indent="0">
+              <a:buFont typeface="Arial" panose="020B0604020202020204" pitchFamily="34" charset="0"/>
+              <a:buNone/>
+            </a:pPr>
+            <a:r>
+              <a:rPr lang="ko-KR" altLang="en-US" sz="1800" dirty="0" smtClean="0">
+                <a:solidFill>
+                  <a:schemeClr val="accent1"/>
+                </a:solidFill>
+              </a:rPr>
+              <a:t>고득점 와인의 예측 잘 안됨</a:t>
+            </a:r>
+            <a:endParaRPr lang="en-US" altLang="ko-KR" sz="1800" dirty="0">
+              <a:solidFill>
+                <a:schemeClr val="accent1"/>
+              </a:solidFill>
+            </a:endParaRPr>
+          </a:p>
+        </p:txBody>
+      </p:sp>
+      <p:sp>
+        <p:nvSpPr>
+          <p:cNvPr id="18" name="내용 개체 틀 2">
+            <a:extLst>
+              <a:ext uri="{FF2B5EF4-FFF2-40B4-BE49-F238E27FC236}">
+                <a16:creationId xmlns:a16="http://schemas.microsoft.com/office/drawing/2014/main" id="{29CB77ED-8814-4C5D-A519-7F4682951AE4}"/>
+              </a:ext>
+            </a:extLst>
+          </p:cNvPr>
+          <p:cNvSpPr txBox="1">
+            <a:spLocks/>
+          </p:cNvSpPr>
+          <p:nvPr/>
+        </p:nvSpPr>
+        <p:spPr>
+          <a:xfrm>
+            <a:off x="664492" y="5257272"/>
+            <a:ext cx="4354879" cy="719171"/>
+          </a:xfrm>
+          <a:prstGeom prst="rect">
+            <a:avLst/>
+          </a:prstGeom>
+        </p:spPr>
+        <p:txBody>
+          <a:bodyPr vert="horz" wrap="square" lIns="91440" tIns="45720" rIns="91440" bIns="45720" rtlCol="0">
+            <a:spAutoFit/>
+          </a:bodyPr>
+          <a:lstStyle>
+            <a:lvl1pPr marL="228600" indent="-228600" algn="l" defTabSz="914400" rtl="0" eaLnBrk="1" latinLnBrk="1" hangingPunct="1">
+              <a:lnSpc>
+                <a:spcPct val="90000"/>
+              </a:lnSpc>
+              <a:spcBef>
+                <a:spcPts val="1000"/>
+              </a:spcBef>
+              <a:buFont typeface="Arial" panose="020B0604020202020204" pitchFamily="34" charset="0"/>
+              <a:buChar char="•"/>
+              <a:defRPr sz="2800" kern="1200">
+                <a:solidFill>
+                  <a:schemeClr val="tx1"/>
+                </a:solidFill>
+                <a:latin typeface="+mn-lt"/>
+                <a:ea typeface="+mn-ea"/>
+                <a:cs typeface="+mn-cs"/>
+              </a:defRPr>
+            </a:lvl1pPr>
+            <a:lvl2pPr marL="685800" indent="-228600" algn="l" defTabSz="914400" rtl="0" eaLnBrk="1" latinLnBrk="1" hangingPunct="1">
+              <a:lnSpc>
+                <a:spcPct val="90000"/>
+              </a:lnSpc>
+              <a:spcBef>
+                <a:spcPts val="500"/>
+              </a:spcBef>
+              <a:buFont typeface="Arial" panose="020B0604020202020204" pitchFamily="34" charset="0"/>
+              <a:buChar char="•"/>
+              <a:defRPr sz="2400" kern="1200">
+                <a:solidFill>
+                  <a:schemeClr val="tx1"/>
+                </a:solidFill>
+                <a:latin typeface="+mn-lt"/>
+                <a:ea typeface="+mn-ea"/>
+                <a:cs typeface="+mn-cs"/>
+              </a:defRPr>
+            </a:lvl2pPr>
+            <a:lvl3pPr marL="1143000" indent="-228600" algn="l" defTabSz="914400" rtl="0" eaLnBrk="1" latinLnBrk="1" hangingPunct="1">
+              <a:lnSpc>
+                <a:spcPct val="90000"/>
+              </a:lnSpc>
+              <a:spcBef>
+                <a:spcPts val="500"/>
+              </a:spcBef>
+              <a:buFont typeface="Arial" panose="020B0604020202020204" pitchFamily="34" charset="0"/>
+              <a:buChar char="•"/>
+              <a:defRPr sz="2000" kern="1200">
+                <a:solidFill>
+                  <a:schemeClr val="tx1"/>
+                </a:solidFill>
+                <a:latin typeface="+mn-lt"/>
+                <a:ea typeface="+mn-ea"/>
+                <a:cs typeface="+mn-cs"/>
+              </a:defRPr>
+            </a:lvl3pPr>
+            <a:lvl4pPr marL="1600200" indent="-228600" algn="l" defTabSz="914400" rtl="0" eaLnBrk="1" latinLnBrk="1" hangingPunct="1">
+              <a:lnSpc>
+                <a:spcPct val="90000"/>
+              </a:lnSpc>
+              <a:spcBef>
+                <a:spcPts val="500"/>
+              </a:spcBef>
+              <a:buFont typeface="Arial" panose="020B0604020202020204" pitchFamily="34" charset="0"/>
+              <a:buChar char="•"/>
+              <a:defRPr sz="1800" kern="1200">
+                <a:solidFill>
+                  <a:schemeClr val="tx1"/>
+                </a:solidFill>
+                <a:latin typeface="+mn-lt"/>
+                <a:ea typeface="+mn-ea"/>
+                <a:cs typeface="+mn-cs"/>
+              </a:defRPr>
+            </a:lvl4pPr>
+            <a:lvl5pPr marL="2057400" indent="-228600" algn="l" defTabSz="914400" rtl="0" eaLnBrk="1" latinLnBrk="1" hangingPunct="1">
+              <a:lnSpc>
+                <a:spcPct val="90000"/>
+              </a:lnSpc>
+              <a:spcBef>
+                <a:spcPts val="500"/>
+              </a:spcBef>
+              <a:buFont typeface="Arial" panose="020B0604020202020204" pitchFamily="34" charset="0"/>
+              <a:buChar char="•"/>
+              <a:defRPr sz="1800" kern="1200">
+                <a:solidFill>
+                  <a:schemeClr val="tx1"/>
+                </a:solidFill>
+                <a:latin typeface="+mn-lt"/>
+                <a:ea typeface="+mn-ea"/>
+                <a:cs typeface="+mn-cs"/>
+              </a:defRPr>
+            </a:lvl5pPr>
+            <a:lvl6pPr marL="2514600" indent="-228600" algn="l" defTabSz="914400" rtl="0" eaLnBrk="1" latinLnBrk="1" hangingPunct="1">
+              <a:lnSpc>
+                <a:spcPct val="90000"/>
+              </a:lnSpc>
+              <a:spcBef>
+                <a:spcPts val="500"/>
+              </a:spcBef>
+              <a:buFont typeface="Arial" panose="020B0604020202020204" pitchFamily="34" charset="0"/>
+              <a:buChar char="•"/>
+              <a:defRPr sz="1800" kern="1200">
+                <a:solidFill>
+                  <a:schemeClr val="tx1"/>
+                </a:solidFill>
+                <a:latin typeface="+mn-lt"/>
+                <a:ea typeface="+mn-ea"/>
+                <a:cs typeface="+mn-cs"/>
+              </a:defRPr>
+            </a:lvl6pPr>
+            <a:lvl7pPr marL="2971800" indent="-228600" algn="l" defTabSz="914400" rtl="0" eaLnBrk="1" latinLnBrk="1" hangingPunct="1">
+              <a:lnSpc>
+                <a:spcPct val="90000"/>
+              </a:lnSpc>
+              <a:spcBef>
+                <a:spcPts val="500"/>
+              </a:spcBef>
+              <a:buFont typeface="Arial" panose="020B0604020202020204" pitchFamily="34" charset="0"/>
+              <a:buChar char="•"/>
+              <a:defRPr sz="1800" kern="1200">
+                <a:solidFill>
+                  <a:schemeClr val="tx1"/>
+                </a:solidFill>
+                <a:latin typeface="+mn-lt"/>
+                <a:ea typeface="+mn-ea"/>
+                <a:cs typeface="+mn-cs"/>
+              </a:defRPr>
+            </a:lvl7pPr>
+            <a:lvl8pPr marL="3429000" indent="-228600" algn="l" defTabSz="914400" rtl="0" eaLnBrk="1" latinLnBrk="1" hangingPunct="1">
+              <a:lnSpc>
+                <a:spcPct val="90000"/>
+              </a:lnSpc>
+              <a:spcBef>
+                <a:spcPts val="500"/>
+              </a:spcBef>
+              <a:buFont typeface="Arial" panose="020B0604020202020204" pitchFamily="34" charset="0"/>
+              <a:buChar char="•"/>
+              <a:defRPr sz="1800" kern="1200">
+                <a:solidFill>
+                  <a:schemeClr val="tx1"/>
+                </a:solidFill>
+                <a:latin typeface="+mn-lt"/>
+                <a:ea typeface="+mn-ea"/>
+                <a:cs typeface="+mn-cs"/>
+              </a:defRPr>
+            </a:lvl8pPr>
+            <a:lvl9pPr marL="3886200" indent="-228600" algn="l" defTabSz="914400" rtl="0" eaLnBrk="1" latinLnBrk="1" hangingPunct="1">
+              <a:lnSpc>
+                <a:spcPct val="90000"/>
+              </a:lnSpc>
+              <a:spcBef>
+                <a:spcPts val="500"/>
+              </a:spcBef>
+              <a:buFont typeface="Arial" panose="020B0604020202020204" pitchFamily="34" charset="0"/>
+              <a:buChar char="•"/>
+              <a:defRPr sz="1800" kern="1200">
+                <a:solidFill>
+                  <a:schemeClr val="tx1"/>
+                </a:solidFill>
+                <a:latin typeface="+mn-lt"/>
+                <a:ea typeface="+mn-ea"/>
+                <a:cs typeface="+mn-cs"/>
+              </a:defRPr>
+            </a:lvl9pPr>
+          </a:lstStyle>
+          <a:p>
+            <a:pPr marL="0" indent="0">
+              <a:buFont typeface="Arial" panose="020B0604020202020204" pitchFamily="34" charset="0"/>
+              <a:buNone/>
+            </a:pPr>
+            <a:r>
+              <a:rPr lang="en-US" altLang="ko-KR" sz="1800" dirty="0" smtClean="0">
+                <a:solidFill>
+                  <a:schemeClr val="accent1"/>
+                </a:solidFill>
+              </a:rPr>
+              <a:t>default parameter </a:t>
+            </a:r>
+            <a:r>
+              <a:rPr lang="ko-KR" altLang="en-US" sz="1800" dirty="0" smtClean="0">
+                <a:solidFill>
+                  <a:schemeClr val="accent1"/>
+                </a:solidFill>
+              </a:rPr>
+              <a:t>에서 </a:t>
+            </a:r>
+            <a:r>
+              <a:rPr lang="en-US" altLang="ko-KR" sz="1800" dirty="0" smtClean="0">
+                <a:solidFill>
+                  <a:schemeClr val="accent1"/>
+                </a:solidFill>
+              </a:rPr>
+              <a:t>model </a:t>
+            </a:r>
+            <a:r>
+              <a:rPr lang="ko-KR" altLang="en-US" sz="1800" dirty="0" smtClean="0">
+                <a:solidFill>
+                  <a:schemeClr val="accent1"/>
+                </a:solidFill>
+              </a:rPr>
+              <a:t>비교 후</a:t>
+            </a:r>
+            <a:r>
+              <a:rPr lang="en-US" altLang="ko-KR" sz="1800" dirty="0" smtClean="0">
+                <a:solidFill>
+                  <a:schemeClr val="accent1"/>
+                </a:solidFill>
+              </a:rPr>
+              <a:t>,</a:t>
+            </a:r>
+          </a:p>
+          <a:p>
+            <a:pPr marL="0" indent="0">
+              <a:buFont typeface="Arial" panose="020B0604020202020204" pitchFamily="34" charset="0"/>
+              <a:buNone/>
+            </a:pPr>
+            <a:r>
+              <a:rPr lang="en-US" altLang="ko-KR" sz="1800" dirty="0" err="1" smtClean="0">
+                <a:solidFill>
+                  <a:schemeClr val="accent1"/>
+                </a:solidFill>
+              </a:rPr>
+              <a:t>XGBRegressor</a:t>
+            </a:r>
+            <a:r>
+              <a:rPr lang="en-US" altLang="ko-KR" sz="1800" dirty="0" smtClean="0">
+                <a:solidFill>
+                  <a:schemeClr val="accent1"/>
+                </a:solidFill>
+              </a:rPr>
+              <a:t> </a:t>
+            </a:r>
+            <a:r>
+              <a:rPr lang="ko-KR" altLang="en-US" sz="1800" dirty="0" smtClean="0">
+                <a:solidFill>
+                  <a:schemeClr val="accent1"/>
+                </a:solidFill>
+              </a:rPr>
+              <a:t>선택</a:t>
+            </a:r>
+            <a:r>
+              <a:rPr lang="en-US" altLang="ko-KR" sz="1800" dirty="0" smtClean="0">
+                <a:solidFill>
+                  <a:schemeClr val="accent1"/>
+                </a:solidFill>
+              </a:rPr>
+              <a:t>.</a:t>
+            </a:r>
+            <a:endParaRPr lang="en-US" altLang="ko-KR" sz="1800" dirty="0">
+              <a:solidFill>
+                <a:schemeClr val="accent1"/>
+              </a:solidFill>
+            </a:endParaRPr>
           </a:p>
         </p:txBody>
       </p:sp>
@@ -5885,9 +8452,6 @@
               </a:rPr>
               <a:t>!</a:t>
             </a:r>
-            <a:endParaRPr lang="en-US" altLang="ko-KR" sz="2400" dirty="0">
-              <a:sym typeface="Wingdings" panose="05000000000000000000" pitchFamily="2" charset="2"/>
-            </a:endParaRPr>
           </a:p>
         </p:txBody>
       </p:sp>
@@ -9737,19 +12301,7 @@
                 <a:latin typeface="+mn-ea"/>
                 <a:ea typeface="+mn-ea"/>
               </a:rPr>
-              <a:t>범주형 </a:t>
-            </a:r>
-            <a:r>
-              <a:rPr lang="ko-KR" altLang="en-US" sz="3600" dirty="0" smtClean="0">
-                <a:solidFill>
-                  <a:schemeClr val="bg2">
-                    <a:lumMod val="25000"/>
-                  </a:schemeClr>
-                </a:solidFill>
-                <a:latin typeface="+mn-ea"/>
-                <a:ea typeface="+mn-ea"/>
-              </a:rPr>
-              <a:t>처리</a:t>
+              <a:t>범주형 처리</a:t>
             </a:r>
             <a:endParaRPr lang="ko-KR" altLang="en-US" sz="3600" dirty="0">
               <a:solidFill>
